--- a/OSS_A조 - MineSweeper.pptx
+++ b/OSS_A조 - MineSweeper.pptx
@@ -5,11 +5,19 @@
     <p:sldMasterId id="2147483648" r:id="rId1"/>
   </p:sldMasterIdLst>
   <p:notesMasterIdLst>
-    <p:notesMasterId r:id="rId4"/>
+    <p:notesMasterId r:id="rId12"/>
   </p:notesMasterIdLst>
   <p:sldIdLst>
     <p:sldId id="256" r:id="rId2"/>
     <p:sldId id="257" r:id="rId3"/>
+    <p:sldId id="258" r:id="rId4"/>
+    <p:sldId id="259" r:id="rId5"/>
+    <p:sldId id="260" r:id="rId6"/>
+    <p:sldId id="261" r:id="rId7"/>
+    <p:sldId id="262" r:id="rId8"/>
+    <p:sldId id="263" r:id="rId9"/>
+    <p:sldId id="264" r:id="rId10"/>
+    <p:sldId id="265" r:id="rId11"/>
   </p:sldIdLst>
   <p:sldSz cx="12192000" cy="6858000"/>
   <p:notesSz cx="6858000" cy="9144000"/>
@@ -224,7 +232,7 @@
           <a:p>
             <a:fld id="{2B58B9A6-D904-F749-BBA2-9ADD544A83EE}" type="datetimeFigureOut">
               <a:rPr kumimoji="1" lang="ko-KR" altLang="en-US" smtClean="0"/>
-              <a:t>2018-11-06</a:t>
+              <a:t>2018-12-01</a:t>
             </a:fld>
             <a:endParaRPr kumimoji="1" lang="ko-KR" altLang="en-US"/>
           </a:p>
@@ -669,7 +677,7 @@
           <a:p>
             <a:fld id="{ED64EA24-9905-784B-8033-5E2FE3296A17}" type="datetimeFigureOut">
               <a:rPr kumimoji="1" lang="ko-KR" altLang="en-US" smtClean="0"/>
-              <a:t>2018-11-06</a:t>
+              <a:t>2018-12-01</a:t>
             </a:fld>
             <a:endParaRPr kumimoji="1" lang="ko-KR" altLang="en-US"/>
           </a:p>
@@ -846,7 +854,7 @@
           <a:p>
             <a:fld id="{ED64EA24-9905-784B-8033-5E2FE3296A17}" type="datetimeFigureOut">
               <a:rPr kumimoji="1" lang="ko-KR" altLang="en-US" smtClean="0"/>
-              <a:t>2018-11-06</a:t>
+              <a:t>2018-12-01</a:t>
             </a:fld>
             <a:endParaRPr kumimoji="1" lang="ko-KR" altLang="en-US"/>
           </a:p>
@@ -1026,7 +1034,7 @@
           <a:p>
             <a:fld id="{ED64EA24-9905-784B-8033-5E2FE3296A17}" type="datetimeFigureOut">
               <a:rPr kumimoji="1" lang="ko-KR" altLang="en-US" smtClean="0"/>
-              <a:t>2018-11-06</a:t>
+              <a:t>2018-12-01</a:t>
             </a:fld>
             <a:endParaRPr kumimoji="1" lang="ko-KR" altLang="en-US"/>
           </a:p>
@@ -1242,7 +1250,7 @@
           <a:p>
             <a:fld id="{ED64EA24-9905-784B-8033-5E2FE3296A17}" type="datetimeFigureOut">
               <a:rPr kumimoji="1" lang="ko-KR" altLang="en-US" smtClean="0"/>
-              <a:t>2018-11-06</a:t>
+              <a:t>2018-12-01</a:t>
             </a:fld>
             <a:endParaRPr kumimoji="1" lang="ko-KR" altLang="en-US"/>
           </a:p>
@@ -1488,7 +1496,7 @@
           <a:p>
             <a:fld id="{ED64EA24-9905-784B-8033-5E2FE3296A17}" type="datetimeFigureOut">
               <a:rPr kumimoji="1" lang="ko-KR" altLang="en-US" smtClean="0"/>
-              <a:t>2018-11-06</a:t>
+              <a:t>2018-12-01</a:t>
             </a:fld>
             <a:endParaRPr kumimoji="1" lang="ko-KR" altLang="en-US"/>
           </a:p>
@@ -1720,7 +1728,7 @@
           <a:p>
             <a:fld id="{ED64EA24-9905-784B-8033-5E2FE3296A17}" type="datetimeFigureOut">
               <a:rPr kumimoji="1" lang="ko-KR" altLang="en-US" smtClean="0"/>
-              <a:t>2018-11-06</a:t>
+              <a:t>2018-12-01</a:t>
             </a:fld>
             <a:endParaRPr kumimoji="1" lang="ko-KR" altLang="en-US"/>
           </a:p>
@@ -2087,7 +2095,7 @@
           <a:p>
             <a:fld id="{ED64EA24-9905-784B-8033-5E2FE3296A17}" type="datetimeFigureOut">
               <a:rPr kumimoji="1" lang="ko-KR" altLang="en-US" smtClean="0"/>
-              <a:t>2018-11-06</a:t>
+              <a:t>2018-12-01</a:t>
             </a:fld>
             <a:endParaRPr kumimoji="1" lang="ko-KR" altLang="en-US"/>
           </a:p>
@@ -2205,7 +2213,7 @@
           <a:p>
             <a:fld id="{ED64EA24-9905-784B-8033-5E2FE3296A17}" type="datetimeFigureOut">
               <a:rPr kumimoji="1" lang="ko-KR" altLang="en-US" smtClean="0"/>
-              <a:t>2018-11-06</a:t>
+              <a:t>2018-12-01</a:t>
             </a:fld>
             <a:endParaRPr kumimoji="1" lang="ko-KR" altLang="en-US"/>
           </a:p>
@@ -2300,7 +2308,7 @@
           <a:p>
             <a:fld id="{ED64EA24-9905-784B-8033-5E2FE3296A17}" type="datetimeFigureOut">
               <a:rPr kumimoji="1" lang="ko-KR" altLang="en-US" smtClean="0"/>
-              <a:t>2018-11-06</a:t>
+              <a:t>2018-12-01</a:t>
             </a:fld>
             <a:endParaRPr kumimoji="1" lang="ko-KR" altLang="en-US"/>
           </a:p>
@@ -2577,7 +2585,7 @@
           <a:p>
             <a:fld id="{ED64EA24-9905-784B-8033-5E2FE3296A17}" type="datetimeFigureOut">
               <a:rPr kumimoji="1" lang="ko-KR" altLang="en-US" smtClean="0"/>
-              <a:t>2018-11-06</a:t>
+              <a:t>2018-12-01</a:t>
             </a:fld>
             <a:endParaRPr kumimoji="1" lang="ko-KR" altLang="en-US"/>
           </a:p>
@@ -2830,7 +2838,7 @@
           <a:p>
             <a:fld id="{ED64EA24-9905-784B-8033-5E2FE3296A17}" type="datetimeFigureOut">
               <a:rPr kumimoji="1" lang="ko-KR" altLang="en-US" smtClean="0"/>
-              <a:t>2018-11-06</a:t>
+              <a:t>2018-12-01</a:t>
             </a:fld>
             <a:endParaRPr kumimoji="1" lang="ko-KR" altLang="en-US"/>
           </a:p>
@@ -3043,7 +3051,7 @@
           <a:p>
             <a:fld id="{ED64EA24-9905-784B-8033-5E2FE3296A17}" type="datetimeFigureOut">
               <a:rPr kumimoji="1" lang="ko-KR" altLang="en-US" smtClean="0"/>
-              <a:t>2018-11-06</a:t>
+              <a:t>2018-12-01</a:t>
             </a:fld>
             <a:endParaRPr kumimoji="1" lang="ko-KR" altLang="en-US"/>
           </a:p>
@@ -3842,11 +3850,11 @@
   <p:clrMapOvr>
     <a:masterClrMapping/>
   </p:clrMapOvr>
-  <mc:AlternateContent xmlns:mc="http://schemas.openxmlformats.org/markup-compatibility/2006">
-    <mc:Choice xmlns:p14="http://schemas.microsoft.com/office/powerpoint/2010/main" Requires="p14">
+  <mc:AlternateContent xmlns:mc="http://schemas.openxmlformats.org/markup-compatibility/2006" xmlns:p14="http://schemas.microsoft.com/office/powerpoint/2010/main">
+    <mc:Choice Requires="p14">
       <p:transition p14:dur="10"/>
     </mc:Choice>
-    <mc:Fallback>
+    <mc:Fallback xmlns="">
       <p:transition/>
     </mc:Fallback>
   </mc:AlternateContent>
@@ -4175,7 +4183,7 @@
 </p:sld>
 </file>
 
-<file path=ppt/slides/slide2.xml><?xml version="1.0" encoding="utf-8"?>
+<file path=ppt/slides/slide10.xml><?xml version="1.0" encoding="utf-8"?>
 <p:sld xmlns:a="http://schemas.openxmlformats.org/drawingml/2006/main" xmlns:r="http://schemas.openxmlformats.org/officeDocument/2006/relationships" xmlns:p="http://schemas.openxmlformats.org/presentationml/2006/main">
   <p:cSld>
     <p:spTree>
@@ -4194,14 +4202,14 @@
       </p:grpSpPr>
       <p:sp>
         <p:nvSpPr>
-          <p:cNvPr id="4" name="텍스트 상자 3"/>
+          <p:cNvPr id="2" name="TextBox 1"/>
           <p:cNvSpPr txBox="1"/>
           <p:nvPr/>
         </p:nvSpPr>
         <p:spPr>
           <a:xfrm>
-            <a:off x="619984" y="516656"/>
-            <a:ext cx="6326545" cy="693010"/>
+            <a:off x="1275009" y="3000777"/>
+            <a:ext cx="6465194" cy="1107996"/>
           </a:xfrm>
           <a:prstGeom prst="rect">
             <a:avLst/>
@@ -4214,92 +4222,50 @@
           </a:bodyPr>
           <a:lstStyle/>
           <a:p>
-            <a:pPr>
-              <a:lnSpc>
-                <a:spcPct val="120000"/>
-              </a:lnSpc>
-            </a:pPr>
-            <a:r>
-              <a:rPr kumimoji="1" lang="ko-KR" altLang="en-US" sz="3600" b="1" spc="-80" dirty="0" smtClean="0">
+            <a:r>
+              <a:rPr lang="ko-KR" altLang="en-US" sz="6600" b="1" dirty="0" smtClean="0">
                 <a:solidFill>
                   <a:schemeClr val="bg1"/>
                 </a:solidFill>
-                <a:latin typeface="Noto Sans CJK KR Bold" panose="020B0800000000000000" pitchFamily="34" charset="-127"/>
-                <a:ea typeface="Noto Sans CJK KR Bold" panose="020B0800000000000000" pitchFamily="34" charset="-127"/>
-                <a:cs typeface="Noto Sans CJK KR" charset="-127"/>
+                <a:effectLst>
+                  <a:outerShdw blurRad="38100" dist="38100" dir="2700000" algn="tl">
+                    <a:srgbClr val="000000">
+                      <a:alpha val="43137"/>
+                    </a:srgbClr>
+                  </a:outerShdw>
+                </a:effectLst>
+                <a:latin typeface="휴먼편지체" panose="02030504000101010101" pitchFamily="18" charset="-127"/>
+                <a:ea typeface="휴먼편지체" panose="02030504000101010101" pitchFamily="18" charset="-127"/>
               </a:rPr>
-              <a:t>지뢰찾기</a:t>
-            </a:r>
-            <a:r>
-              <a:rPr kumimoji="1" lang="en-US" altLang="ko-KR" sz="3600" b="1" spc="-80" dirty="0" smtClean="0">
-                <a:solidFill>
-                  <a:schemeClr val="bg1"/>
-                </a:solidFill>
-                <a:latin typeface="Noto Sans CJK KR Bold" panose="020B0800000000000000" pitchFamily="34" charset="-127"/>
-                <a:ea typeface="Noto Sans CJK KR Bold" panose="020B0800000000000000" pitchFamily="34" charset="-127"/>
-                <a:cs typeface="Noto Sans CJK KR" charset="-127"/>
-              </a:rPr>
-              <a:t>(mine-sweeper)</a:t>
-            </a:r>
-            <a:endParaRPr kumimoji="1" lang="ko-KR" altLang="en-US" sz="3600" b="1" spc="-80" dirty="0">
+              <a:t>감사합니다</a:t>
+            </a:r>
+            <a:endParaRPr lang="ko-KR" altLang="en-US" sz="6600" b="1" dirty="0">
               <a:solidFill>
                 <a:schemeClr val="bg1"/>
               </a:solidFill>
-              <a:latin typeface="Noto Sans CJK KR Bold" panose="020B0800000000000000" pitchFamily="34" charset="-127"/>
-              <a:ea typeface="Noto Sans CJK KR Bold" panose="020B0800000000000000" pitchFamily="34" charset="-127"/>
-              <a:cs typeface="Noto Sans CJK KR" charset="-127"/>
+              <a:effectLst>
+                <a:outerShdw blurRad="38100" dist="38100" dir="2700000" algn="tl">
+                  <a:srgbClr val="000000">
+                    <a:alpha val="43137"/>
+                  </a:srgbClr>
+                </a:outerShdw>
+              </a:effectLst>
+              <a:latin typeface="휴먼편지체" panose="02030504000101010101" pitchFamily="18" charset="-127"/>
+              <a:ea typeface="휴먼편지체" panose="02030504000101010101" pitchFamily="18" charset="-127"/>
             </a:endParaRPr>
           </a:p>
         </p:txBody>
       </p:sp>
-      <p:pic>
-        <p:nvPicPr>
-          <p:cNvPr id="5" name="Picture 4">
-            <a:extLst>
-              <a:ext uri="{FF2B5EF4-FFF2-40B4-BE49-F238E27FC236}">
-                <a16:creationId xmlns:a16="http://schemas.microsoft.com/office/drawing/2014/main" id="{00000000-0000-0000-0000-000000000000}"/>
-              </a:ext>
-            </a:extLst>
-          </p:cNvPr>
-          <p:cNvPicPr>
-            <a:picLocks noChangeAspect="1"/>
-          </p:cNvPicPr>
-          <p:nvPr/>
-        </p:nvPicPr>
-        <p:blipFill>
-          <a:blip r:embed="rId2">
-            <a:lum/>
-            <a:alphaModFix/>
-          </a:blip>
-          <a:srcRect/>
-          <a:stretch>
-            <a:fillRect/>
-          </a:stretch>
-        </p:blipFill>
-        <p:spPr>
-          <a:xfrm>
-            <a:off x="6946528" y="1716066"/>
-            <a:ext cx="4291290" cy="3852000"/>
-          </a:xfrm>
-          <a:prstGeom prst="rect">
-            <a:avLst/>
-          </a:prstGeom>
-          <a:noFill/>
-          <a:ln>
-            <a:noFill/>
-          </a:ln>
-        </p:spPr>
-      </p:pic>
       <p:sp>
         <p:nvSpPr>
-          <p:cNvPr id="2" name="TextBox 1"/>
+          <p:cNvPr id="3" name="TextBox 2"/>
           <p:cNvSpPr txBox="1"/>
           <p:nvPr/>
         </p:nvSpPr>
         <p:spPr>
           <a:xfrm>
-            <a:off x="751562" y="1903956"/>
-            <a:ext cx="4521896" cy="646331"/>
+            <a:off x="1275009" y="1541637"/>
+            <a:ext cx="8577329" cy="584775"/>
           </a:xfrm>
           <a:prstGeom prst="rect">
             <a:avLst/>
@@ -4312,65 +4278,15 @@
           </a:bodyPr>
           <a:lstStyle/>
           <a:p>
-            <a:pPr marL="285750" indent="-285750">
-              <a:buFontTx/>
-              <a:buChar char="-"/>
-            </a:pPr>
-            <a:r>
-              <a:rPr lang="en-US" altLang="ko-KR" dirty="0" smtClean="0">
+            <a:r>
+              <a:rPr lang="en-US" altLang="ko-KR" sz="3200" dirty="0">
                 <a:solidFill>
                   <a:schemeClr val="bg1"/>
                 </a:solidFill>
               </a:rPr>
-              <a:t>3 Parts</a:t>
-            </a:r>
-          </a:p>
-          <a:p>
-            <a:pPr marL="285750" indent="-285750">
-              <a:buFontTx/>
-              <a:buChar char="-"/>
-            </a:pPr>
-            <a:r>
-              <a:rPr lang="ko-KR" altLang="en-US" dirty="0" smtClean="0">
-                <a:solidFill>
-                  <a:schemeClr val="bg1"/>
-                </a:solidFill>
-              </a:rPr>
-              <a:t>판 설정</a:t>
-            </a:r>
-            <a:r>
-              <a:rPr lang="en-US" altLang="ko-KR" dirty="0" smtClean="0">
-                <a:solidFill>
-                  <a:schemeClr val="bg1"/>
-                </a:solidFill>
-              </a:rPr>
-              <a:t>, </a:t>
-            </a:r>
-            <a:r>
-              <a:rPr lang="ko-KR" altLang="en-US" dirty="0" smtClean="0">
-                <a:solidFill>
-                  <a:schemeClr val="bg1"/>
-                </a:solidFill>
-              </a:rPr>
-              <a:t>배치</a:t>
-            </a:r>
-            <a:r>
-              <a:rPr lang="en-US" altLang="ko-KR" dirty="0" smtClean="0">
-                <a:solidFill>
-                  <a:schemeClr val="bg1"/>
-                </a:solidFill>
-              </a:rPr>
-              <a:t>, </a:t>
-            </a:r>
-            <a:r>
-              <a:rPr lang="ko-KR" altLang="en-US" dirty="0" smtClean="0">
-                <a:solidFill>
-                  <a:schemeClr val="bg1"/>
-                </a:solidFill>
-              </a:rPr>
-              <a:t>탐색</a:t>
-            </a:r>
-            <a:endParaRPr lang="ko-KR" altLang="en-US" dirty="0">
+              <a:t>https://github.com/JungHoYoung/OSS_A.git</a:t>
+            </a:r>
+            <a:endParaRPr lang="ko-KR" altLang="en-US" sz="3200" dirty="0">
               <a:solidFill>
                 <a:schemeClr val="bg1"/>
               </a:solidFill>
@@ -4378,10 +4294,34 @@
           </a:p>
         </p:txBody>
       </p:sp>
+      <p:pic>
+        <p:nvPicPr>
+          <p:cNvPr id="5" name="Picture 4"/>
+          <p:cNvPicPr>
+            <a:picLocks noChangeAspect="1"/>
+          </p:cNvPicPr>
+          <p:nvPr/>
+        </p:nvPicPr>
+        <p:blipFill>
+          <a:blip r:embed="rId2"/>
+          <a:stretch>
+            <a:fillRect/>
+          </a:stretch>
+        </p:blipFill>
+        <p:spPr>
+          <a:xfrm>
+            <a:off x="6270247" y="2777481"/>
+            <a:ext cx="3582091" cy="1601748"/>
+          </a:xfrm>
+          <a:prstGeom prst="rect">
+            <a:avLst/>
+          </a:prstGeom>
+        </p:spPr>
+      </p:pic>
     </p:spTree>
     <p:extLst>
       <p:ext uri="{BB962C8B-B14F-4D97-AF65-F5344CB8AC3E}">
-        <p14:creationId xmlns:p14="http://schemas.microsoft.com/office/powerpoint/2010/main" val="228768367"/>
+        <p14:creationId xmlns:p14="http://schemas.microsoft.com/office/powerpoint/2010/main" val="3150560172"/>
       </p:ext>
     </p:extLst>
   </p:cSld>
@@ -4412,9 +4352,6 @@
                     <p:cTn id="3" fill="hold">
                       <p:stCondLst>
                         <p:cond delay="indefinite"/>
-                        <p:cond evt="onBegin" delay="0">
-                          <p:tn val="2"/>
-                        </p:cond>
                       </p:stCondLst>
                       <p:childTnLst>
                         <p:par>
@@ -4424,7 +4361,7 @@
                             </p:stCondLst>
                             <p:childTnLst>
                               <p:par>
-                                <p:cTn id="5" presetID="42" presetClass="entr" presetSubtype="0" fill="hold" grpId="0" nodeType="withEffect">
+                                <p:cTn id="5" presetID="42" presetClass="entr" presetSubtype="0" fill="hold" grpId="0" nodeType="clickEffect">
                                   <p:stCondLst>
                                     <p:cond delay="0"/>
                                   </p:stCondLst>
@@ -4432,105 +4369,6 @@
                                     <p:set>
                                       <p:cBhvr>
                                         <p:cTn id="6" dur="1" fill="hold">
-                                          <p:stCondLst>
-                                            <p:cond delay="0"/>
-                                          </p:stCondLst>
-                                        </p:cTn>
-                                        <p:tgtEl>
-                                          <p:spTgt spid="4"/>
-                                        </p:tgtEl>
-                                        <p:attrNameLst>
-                                          <p:attrName>style.visibility</p:attrName>
-                                        </p:attrNameLst>
-                                      </p:cBhvr>
-                                      <p:to>
-                                        <p:strVal val="visible"/>
-                                      </p:to>
-                                    </p:set>
-                                    <p:animEffect transition="in" filter="fade">
-                                      <p:cBhvr>
-                                        <p:cTn id="7" dur="1000"/>
-                                        <p:tgtEl>
-                                          <p:spTgt spid="4"/>
-                                        </p:tgtEl>
-                                      </p:cBhvr>
-                                    </p:animEffect>
-                                    <p:anim calcmode="lin" valueType="num">
-                                      <p:cBhvr>
-                                        <p:cTn id="8" dur="1000" fill="hold"/>
-                                        <p:tgtEl>
-                                          <p:spTgt spid="4"/>
-                                        </p:tgtEl>
-                                        <p:attrNameLst>
-                                          <p:attrName>ppt_x</p:attrName>
-                                        </p:attrNameLst>
-                                      </p:cBhvr>
-                                      <p:tavLst>
-                                        <p:tav tm="0">
-                                          <p:val>
-                                            <p:strVal val="#ppt_x"/>
-                                          </p:val>
-                                        </p:tav>
-                                        <p:tav tm="100000">
-                                          <p:val>
-                                            <p:strVal val="#ppt_x"/>
-                                          </p:val>
-                                        </p:tav>
-                                      </p:tavLst>
-                                    </p:anim>
-                                    <p:anim calcmode="lin" valueType="num">
-                                      <p:cBhvr>
-                                        <p:cTn id="9" dur="1000" fill="hold"/>
-                                        <p:tgtEl>
-                                          <p:spTgt spid="4"/>
-                                        </p:tgtEl>
-                                        <p:attrNameLst>
-                                          <p:attrName>ppt_y</p:attrName>
-                                        </p:attrNameLst>
-                                      </p:cBhvr>
-                                      <p:tavLst>
-                                        <p:tav tm="0">
-                                          <p:val>
-                                            <p:strVal val="#ppt_y+.1"/>
-                                          </p:val>
-                                        </p:tav>
-                                        <p:tav tm="100000">
-                                          <p:val>
-                                            <p:strVal val="#ppt_y"/>
-                                          </p:val>
-                                        </p:tav>
-                                      </p:tavLst>
-                                    </p:anim>
-                                  </p:childTnLst>
-                                </p:cTn>
-                              </p:par>
-                            </p:childTnLst>
-                          </p:cTn>
-                        </p:par>
-                      </p:childTnLst>
-                    </p:cTn>
-                  </p:par>
-                  <p:par>
-                    <p:cTn id="10" fill="hold">
-                      <p:stCondLst>
-                        <p:cond delay="indefinite"/>
-                      </p:stCondLst>
-                      <p:childTnLst>
-                        <p:par>
-                          <p:cTn id="11" fill="hold">
-                            <p:stCondLst>
-                              <p:cond delay="0"/>
-                            </p:stCondLst>
-                            <p:childTnLst>
-                              <p:par>
-                                <p:cTn id="12" presetID="42" presetClass="entr" presetSubtype="0" fill="hold" grpId="0" nodeType="clickEffect">
-                                  <p:stCondLst>
-                                    <p:cond delay="0"/>
-                                  </p:stCondLst>
-                                  <p:childTnLst>
-                                    <p:set>
-                                      <p:cBhvr>
-                                        <p:cTn id="13" dur="1" fill="hold">
                                           <p:stCondLst>
                                             <p:cond delay="0"/>
                                           </p:stCondLst>
@@ -4548,7 +4386,7 @@
                                     </p:set>
                                     <p:animEffect transition="in" filter="fade">
                                       <p:cBhvr>
-                                        <p:cTn id="14" dur="1000"/>
+                                        <p:cTn id="7" dur="1000"/>
                                         <p:tgtEl>
                                           <p:spTgt spid="2"/>
                                         </p:tgtEl>
@@ -4556,7 +4394,7 @@
                                     </p:animEffect>
                                     <p:anim calcmode="lin" valueType="num">
                                       <p:cBhvr>
-                                        <p:cTn id="15" dur="1000" fill="hold"/>
+                                        <p:cTn id="8" dur="1000" fill="hold"/>
                                         <p:tgtEl>
                                           <p:spTgt spid="2"/>
                                         </p:tgtEl>
@@ -4579,7 +4417,7 @@
                                     </p:anim>
                                     <p:anim calcmode="lin" valueType="num">
                                       <p:cBhvr>
-                                        <p:cTn id="16" dur="1000" fill="hold"/>
+                                        <p:cTn id="9" dur="1000" fill="hold"/>
                                         <p:tgtEl>
                                           <p:spTgt spid="2"/>
                                         </p:tgtEl>
@@ -4604,14 +4442,14 @@
                                 </p:cTn>
                               </p:par>
                               <p:par>
-                                <p:cTn id="17" presetID="42" presetClass="entr" presetSubtype="0" fill="hold" nodeType="withEffect">
+                                <p:cTn id="10" presetID="42" presetClass="entr" presetSubtype="0" fill="hold" nodeType="withEffect">
                                   <p:stCondLst>
                                     <p:cond delay="0"/>
                                   </p:stCondLst>
                                   <p:childTnLst>
                                     <p:set>
                                       <p:cBhvr>
-                                        <p:cTn id="18" dur="1" fill="hold">
+                                        <p:cTn id="11" dur="1" fill="hold">
                                           <p:stCondLst>
                                             <p:cond delay="0"/>
                                           </p:stCondLst>
@@ -4629,7 +4467,7 @@
                                     </p:set>
                                     <p:animEffect transition="in" filter="fade">
                                       <p:cBhvr>
-                                        <p:cTn id="19" dur="1000"/>
+                                        <p:cTn id="12" dur="1000"/>
                                         <p:tgtEl>
                                           <p:spTgt spid="5"/>
                                         </p:tgtEl>
@@ -4637,7 +4475,7 @@
                                     </p:animEffect>
                                     <p:anim calcmode="lin" valueType="num">
                                       <p:cBhvr>
-                                        <p:cTn id="20" dur="1000" fill="hold"/>
+                                        <p:cTn id="13" dur="1000" fill="hold"/>
                                         <p:tgtEl>
                                           <p:spTgt spid="5"/>
                                         </p:tgtEl>
@@ -4660,7 +4498,7 @@
                                     </p:anim>
                                     <p:anim calcmode="lin" valueType="num">
                                       <p:cBhvr>
-                                        <p:cTn id="21" dur="1000" fill="hold"/>
+                                        <p:cTn id="14" dur="1000" fill="hold"/>
                                         <p:tgtEl>
                                           <p:spTgt spid="5"/>
                                         </p:tgtEl>
@@ -4712,9 +4550,3613 @@
       </p:par>
     </p:tnLst>
     <p:bldLst>
-      <p:bldP spid="4" grpId="0"/>
       <p:bldP spid="2" grpId="0"/>
     </p:bldLst>
+  </p:timing>
+</p:sld>
+</file>
+
+<file path=ppt/slides/slide2.xml><?xml version="1.0" encoding="utf-8"?>
+<p:sld xmlns:a="http://schemas.openxmlformats.org/drawingml/2006/main" xmlns:r="http://schemas.openxmlformats.org/officeDocument/2006/relationships" xmlns:p="http://schemas.openxmlformats.org/presentationml/2006/main">
+  <p:cSld>
+    <p:spTree>
+      <p:nvGrpSpPr>
+        <p:cNvPr id="1" name=""/>
+        <p:cNvGrpSpPr/>
+        <p:nvPr/>
+      </p:nvGrpSpPr>
+      <p:grpSpPr>
+        <a:xfrm>
+          <a:off x="0" y="0"/>
+          <a:ext cx="0" cy="0"/>
+          <a:chOff x="0" y="0"/>
+          <a:chExt cx="0" cy="0"/>
+        </a:xfrm>
+      </p:grpSpPr>
+      <p:sp>
+        <p:nvSpPr>
+          <p:cNvPr id="4" name="텍스트 상자 3"/>
+          <p:cNvSpPr txBox="1"/>
+          <p:nvPr/>
+        </p:nvSpPr>
+        <p:spPr>
+          <a:xfrm>
+            <a:off x="619984" y="516656"/>
+            <a:ext cx="6326545" cy="693010"/>
+          </a:xfrm>
+          <a:prstGeom prst="rect">
+            <a:avLst/>
+          </a:prstGeom>
+          <a:noFill/>
+        </p:spPr>
+        <p:txBody>
+          <a:bodyPr wrap="square" rtlCol="0">
+            <a:spAutoFit/>
+          </a:bodyPr>
+          <a:lstStyle/>
+          <a:p>
+            <a:pPr>
+              <a:lnSpc>
+                <a:spcPct val="120000"/>
+              </a:lnSpc>
+            </a:pPr>
+            <a:r>
+              <a:rPr kumimoji="1" lang="ko-KR" altLang="en-US" sz="3600" b="1" spc="-80" dirty="0" smtClean="0">
+                <a:solidFill>
+                  <a:schemeClr val="bg1"/>
+                </a:solidFill>
+                <a:latin typeface="Noto Sans CJK KR Bold" panose="020B0800000000000000" pitchFamily="34" charset="-127"/>
+                <a:ea typeface="Noto Sans CJK KR Bold" panose="020B0800000000000000" pitchFamily="34" charset="-127"/>
+                <a:cs typeface="Noto Sans CJK KR" charset="-127"/>
+              </a:rPr>
+              <a:t>지뢰찾기</a:t>
+            </a:r>
+            <a:r>
+              <a:rPr kumimoji="1" lang="en-US" altLang="ko-KR" sz="3600" b="1" spc="-80" dirty="0" smtClean="0">
+                <a:solidFill>
+                  <a:schemeClr val="bg1"/>
+                </a:solidFill>
+                <a:latin typeface="Noto Sans CJK KR Bold" panose="020B0800000000000000" pitchFamily="34" charset="-127"/>
+                <a:ea typeface="Noto Sans CJK KR Bold" panose="020B0800000000000000" pitchFamily="34" charset="-127"/>
+                <a:cs typeface="Noto Sans CJK KR" charset="-127"/>
+              </a:rPr>
+              <a:t>(mine-sweeper)</a:t>
+            </a:r>
+            <a:endParaRPr kumimoji="1" lang="ko-KR" altLang="en-US" sz="3600" b="1" spc="-80" dirty="0">
+              <a:solidFill>
+                <a:schemeClr val="bg1"/>
+              </a:solidFill>
+              <a:latin typeface="Noto Sans CJK KR Bold" panose="020B0800000000000000" pitchFamily="34" charset="-127"/>
+              <a:ea typeface="Noto Sans CJK KR Bold" panose="020B0800000000000000" pitchFamily="34" charset="-127"/>
+              <a:cs typeface="Noto Sans CJK KR" charset="-127"/>
+            </a:endParaRPr>
+          </a:p>
+        </p:txBody>
+      </p:sp>
+      <p:sp>
+        <p:nvSpPr>
+          <p:cNvPr id="7" name="TextBox 6"/>
+          <p:cNvSpPr txBox="1"/>
+          <p:nvPr/>
+        </p:nvSpPr>
+        <p:spPr>
+          <a:xfrm>
+            <a:off x="475988" y="3254679"/>
+            <a:ext cx="7440460" cy="2554545"/>
+          </a:xfrm>
+          <a:prstGeom prst="rect">
+            <a:avLst/>
+          </a:prstGeom>
+          <a:noFill/>
+        </p:spPr>
+        <p:txBody>
+          <a:bodyPr wrap="square" rtlCol="0">
+            <a:spAutoFit/>
+          </a:bodyPr>
+          <a:lstStyle/>
+          <a:p>
+            <a:pPr marL="1028700" lvl="1" indent="-571500">
+              <a:buFont typeface="Wingdings" panose="05000000000000000000" pitchFamily="2" charset="2"/>
+              <a:buChar char="l"/>
+            </a:pPr>
+            <a:r>
+              <a:rPr lang="ko-KR" altLang="en-US" sz="4000" dirty="0" smtClean="0">
+                <a:solidFill>
+                  <a:schemeClr val="bg1"/>
+                </a:solidFill>
+              </a:rPr>
+              <a:t>목표</a:t>
+            </a:r>
+            <a:endParaRPr lang="en-US" altLang="ko-KR" sz="4000" dirty="0" smtClean="0">
+              <a:solidFill>
+                <a:schemeClr val="bg1"/>
+              </a:solidFill>
+            </a:endParaRPr>
+          </a:p>
+          <a:p>
+            <a:pPr marL="1028700" lvl="1" indent="-571500">
+              <a:buFont typeface="Wingdings" panose="05000000000000000000" pitchFamily="2" charset="2"/>
+              <a:buChar char="l"/>
+            </a:pPr>
+            <a:r>
+              <a:rPr lang="ko-KR" altLang="en-US" sz="4000" dirty="0" smtClean="0">
+                <a:solidFill>
+                  <a:schemeClr val="bg1"/>
+                </a:solidFill>
+              </a:rPr>
+              <a:t>기본 소스</a:t>
+            </a:r>
+            <a:r>
+              <a:rPr lang="en-US" altLang="ko-KR" sz="4000" dirty="0" smtClean="0">
+                <a:solidFill>
+                  <a:schemeClr val="bg1"/>
+                </a:solidFill>
+              </a:rPr>
+              <a:t>(</a:t>
+            </a:r>
+            <a:r>
+              <a:rPr lang="ko-KR" altLang="en-US" sz="4000" dirty="0" smtClean="0">
+                <a:solidFill>
+                  <a:schemeClr val="bg1"/>
+                </a:solidFill>
+              </a:rPr>
+              <a:t>포크한 소스</a:t>
+            </a:r>
+            <a:r>
+              <a:rPr lang="en-US" altLang="ko-KR" sz="4000" dirty="0" smtClean="0">
+                <a:solidFill>
+                  <a:schemeClr val="bg1"/>
+                </a:solidFill>
+              </a:rPr>
+              <a:t>)</a:t>
+            </a:r>
+          </a:p>
+          <a:p>
+            <a:pPr marL="1028700" lvl="1" indent="-571500">
+              <a:buFont typeface="Wingdings" panose="05000000000000000000" pitchFamily="2" charset="2"/>
+              <a:buChar char="l"/>
+            </a:pPr>
+            <a:r>
+              <a:rPr lang="ko-KR" altLang="en-US" sz="4000" dirty="0" smtClean="0">
+                <a:solidFill>
+                  <a:schemeClr val="bg1"/>
+                </a:solidFill>
+              </a:rPr>
+              <a:t>바뀐 소스</a:t>
+            </a:r>
+            <a:r>
+              <a:rPr lang="en-US" altLang="ko-KR" sz="4000" dirty="0" smtClean="0">
+                <a:solidFill>
+                  <a:schemeClr val="bg1"/>
+                </a:solidFill>
+              </a:rPr>
+              <a:t>(</a:t>
+            </a:r>
+            <a:r>
+              <a:rPr lang="ko-KR" altLang="en-US" sz="4000" dirty="0" smtClean="0">
+                <a:solidFill>
+                  <a:schemeClr val="bg1"/>
+                </a:solidFill>
+              </a:rPr>
+              <a:t>수정한 내용</a:t>
+            </a:r>
+            <a:r>
+              <a:rPr lang="en-US" altLang="ko-KR" sz="4000" dirty="0" smtClean="0">
+                <a:solidFill>
+                  <a:schemeClr val="bg1"/>
+                </a:solidFill>
+              </a:rPr>
+              <a:t>)</a:t>
+            </a:r>
+          </a:p>
+          <a:p>
+            <a:pPr marL="1028700" lvl="1" indent="-571500">
+              <a:buFont typeface="Wingdings" panose="05000000000000000000" pitchFamily="2" charset="2"/>
+              <a:buChar char="l"/>
+            </a:pPr>
+            <a:r>
+              <a:rPr lang="en-US" altLang="ko-KR" sz="4000" dirty="0" smtClean="0">
+                <a:solidFill>
+                  <a:schemeClr val="bg1"/>
+                </a:solidFill>
+              </a:rPr>
+              <a:t>GUI</a:t>
+            </a:r>
+            <a:r>
+              <a:rPr lang="ko-KR" altLang="en-US" sz="4000" dirty="0" smtClean="0">
+                <a:solidFill>
+                  <a:schemeClr val="bg1"/>
+                </a:solidFill>
+              </a:rPr>
+              <a:t>구현</a:t>
+            </a:r>
+            <a:endParaRPr lang="en-US" altLang="ko-KR" sz="4000" dirty="0" smtClean="0">
+              <a:solidFill>
+                <a:schemeClr val="bg1"/>
+              </a:solidFill>
+            </a:endParaRPr>
+          </a:p>
+        </p:txBody>
+      </p:sp>
+      <p:sp>
+        <p:nvSpPr>
+          <p:cNvPr id="8" name="TextBox 7"/>
+          <p:cNvSpPr txBox="1"/>
+          <p:nvPr/>
+        </p:nvSpPr>
+        <p:spPr>
+          <a:xfrm>
+            <a:off x="951978" y="1636927"/>
+            <a:ext cx="1102290" cy="523220"/>
+          </a:xfrm>
+          <a:prstGeom prst="rect">
+            <a:avLst/>
+          </a:prstGeom>
+          <a:noFill/>
+        </p:spPr>
+        <p:txBody>
+          <a:bodyPr wrap="square" rtlCol="0">
+            <a:spAutoFit/>
+          </a:bodyPr>
+          <a:lstStyle/>
+          <a:p>
+            <a:r>
+              <a:rPr lang="ko-KR" altLang="en-US" sz="2800" dirty="0" smtClean="0">
+                <a:solidFill>
+                  <a:schemeClr val="bg1"/>
+                </a:solidFill>
+              </a:rPr>
+              <a:t>목차</a:t>
+            </a:r>
+            <a:endParaRPr lang="ko-KR" altLang="en-US" sz="2800" dirty="0">
+              <a:solidFill>
+                <a:schemeClr val="bg1"/>
+              </a:solidFill>
+            </a:endParaRPr>
+          </a:p>
+        </p:txBody>
+      </p:sp>
+      <p:cxnSp>
+        <p:nvCxnSpPr>
+          <p:cNvPr id="10" name="Straight Connector 9"/>
+          <p:cNvCxnSpPr/>
+          <p:nvPr/>
+        </p:nvCxnSpPr>
+        <p:spPr>
+          <a:xfrm flipV="1">
+            <a:off x="851770" y="2404997"/>
+            <a:ext cx="5949863" cy="12526"/>
+          </a:xfrm>
+          <a:prstGeom prst="line">
+            <a:avLst/>
+          </a:prstGeom>
+          <a:ln>
+            <a:solidFill>
+              <a:schemeClr val="accent4">
+                <a:lumMod val="40000"/>
+                <a:lumOff val="60000"/>
+              </a:schemeClr>
+            </a:solidFill>
+          </a:ln>
+        </p:spPr>
+        <p:style>
+          <a:lnRef idx="1">
+            <a:schemeClr val="accent1"/>
+          </a:lnRef>
+          <a:fillRef idx="0">
+            <a:schemeClr val="accent1"/>
+          </a:fillRef>
+          <a:effectRef idx="0">
+            <a:schemeClr val="accent1"/>
+          </a:effectRef>
+          <a:fontRef idx="minor">
+            <a:schemeClr val="tx1"/>
+          </a:fontRef>
+        </p:style>
+      </p:cxnSp>
+      <p:cxnSp>
+        <p:nvCxnSpPr>
+          <p:cNvPr id="12" name="Straight Connector 11"/>
+          <p:cNvCxnSpPr/>
+          <p:nvPr/>
+        </p:nvCxnSpPr>
+        <p:spPr>
+          <a:xfrm flipV="1">
+            <a:off x="851769" y="2569923"/>
+            <a:ext cx="5949863" cy="12526"/>
+          </a:xfrm>
+          <a:prstGeom prst="line">
+            <a:avLst/>
+          </a:prstGeom>
+          <a:ln>
+            <a:solidFill>
+              <a:schemeClr val="accent4">
+                <a:lumMod val="40000"/>
+                <a:lumOff val="60000"/>
+              </a:schemeClr>
+            </a:solidFill>
+          </a:ln>
+        </p:spPr>
+        <p:style>
+          <a:lnRef idx="1">
+            <a:schemeClr val="accent1"/>
+          </a:lnRef>
+          <a:fillRef idx="0">
+            <a:schemeClr val="accent1"/>
+          </a:fillRef>
+          <a:effectRef idx="0">
+            <a:schemeClr val="accent1"/>
+          </a:effectRef>
+          <a:fontRef idx="minor">
+            <a:schemeClr val="tx1"/>
+          </a:fontRef>
+        </p:style>
+      </p:cxnSp>
+      <p:cxnSp>
+        <p:nvCxnSpPr>
+          <p:cNvPr id="13" name="Straight Connector 12"/>
+          <p:cNvCxnSpPr/>
+          <p:nvPr/>
+        </p:nvCxnSpPr>
+        <p:spPr>
+          <a:xfrm flipV="1">
+            <a:off x="851770" y="2752594"/>
+            <a:ext cx="5949863" cy="12526"/>
+          </a:xfrm>
+          <a:prstGeom prst="line">
+            <a:avLst/>
+          </a:prstGeom>
+          <a:ln>
+            <a:solidFill>
+              <a:schemeClr val="accent4">
+                <a:lumMod val="40000"/>
+                <a:lumOff val="60000"/>
+              </a:schemeClr>
+            </a:solidFill>
+          </a:ln>
+        </p:spPr>
+        <p:style>
+          <a:lnRef idx="1">
+            <a:schemeClr val="accent1"/>
+          </a:lnRef>
+          <a:fillRef idx="0">
+            <a:schemeClr val="accent1"/>
+          </a:fillRef>
+          <a:effectRef idx="0">
+            <a:schemeClr val="accent1"/>
+          </a:effectRef>
+          <a:fontRef idx="minor">
+            <a:schemeClr val="tx1"/>
+          </a:fontRef>
+        </p:style>
+      </p:cxnSp>
+      <p:cxnSp>
+        <p:nvCxnSpPr>
+          <p:cNvPr id="14" name="Straight Connector 13"/>
+          <p:cNvCxnSpPr/>
+          <p:nvPr/>
+        </p:nvCxnSpPr>
+        <p:spPr>
+          <a:xfrm flipV="1">
+            <a:off x="851770" y="2947269"/>
+            <a:ext cx="5949863" cy="12526"/>
+          </a:xfrm>
+          <a:prstGeom prst="line">
+            <a:avLst/>
+          </a:prstGeom>
+          <a:ln>
+            <a:solidFill>
+              <a:schemeClr val="accent4">
+                <a:lumMod val="40000"/>
+                <a:lumOff val="60000"/>
+              </a:schemeClr>
+            </a:solidFill>
+          </a:ln>
+        </p:spPr>
+        <p:style>
+          <a:lnRef idx="1">
+            <a:schemeClr val="accent1"/>
+          </a:lnRef>
+          <a:fillRef idx="0">
+            <a:schemeClr val="accent1"/>
+          </a:fillRef>
+          <a:effectRef idx="0">
+            <a:schemeClr val="accent1"/>
+          </a:effectRef>
+          <a:fontRef idx="minor">
+            <a:schemeClr val="tx1"/>
+          </a:fontRef>
+        </p:style>
+      </p:cxnSp>
+    </p:spTree>
+    <p:extLst>
+      <p:ext uri="{BB962C8B-B14F-4D97-AF65-F5344CB8AC3E}">
+        <p14:creationId xmlns:p14="http://schemas.microsoft.com/office/powerpoint/2010/main" val="228768367"/>
+      </p:ext>
+    </p:extLst>
+  </p:cSld>
+  <p:clrMapOvr>
+    <a:masterClrMapping/>
+  </p:clrMapOvr>
+  <mc:AlternateContent xmlns:mc="http://schemas.openxmlformats.org/markup-compatibility/2006" xmlns:p14="http://schemas.microsoft.com/office/powerpoint/2010/main">
+    <mc:Choice Requires="p14">
+      <p:transition spd="slow" p14:dur="2000">
+        <p:push dir="u"/>
+      </p:transition>
+    </mc:Choice>
+    <mc:Fallback xmlns="">
+      <p:transition spd="slow">
+        <p:push dir="u"/>
+      </p:transition>
+    </mc:Fallback>
+  </mc:AlternateContent>
+  <p:timing>
+    <p:tnLst>
+      <p:par>
+        <p:cTn id="1" dur="indefinite" restart="never" nodeType="tmRoot"/>
+      </p:par>
+    </p:tnLst>
+  </p:timing>
+</p:sld>
+</file>
+
+<file path=ppt/slides/slide3.xml><?xml version="1.0" encoding="utf-8"?>
+<p:sld xmlns:a="http://schemas.openxmlformats.org/drawingml/2006/main" xmlns:r="http://schemas.openxmlformats.org/officeDocument/2006/relationships" xmlns:p="http://schemas.openxmlformats.org/presentationml/2006/main">
+  <p:cSld>
+    <p:spTree>
+      <p:nvGrpSpPr>
+        <p:cNvPr id="1" name=""/>
+        <p:cNvGrpSpPr/>
+        <p:nvPr/>
+      </p:nvGrpSpPr>
+      <p:grpSpPr>
+        <a:xfrm>
+          <a:off x="0" y="0"/>
+          <a:ext cx="0" cy="0"/>
+          <a:chOff x="0" y="0"/>
+          <a:chExt cx="0" cy="0"/>
+        </a:xfrm>
+      </p:grpSpPr>
+      <p:sp>
+        <p:nvSpPr>
+          <p:cNvPr id="4" name="텍스트 상자 3"/>
+          <p:cNvSpPr txBox="1"/>
+          <p:nvPr/>
+        </p:nvSpPr>
+        <p:spPr>
+          <a:xfrm>
+            <a:off x="91950" y="419627"/>
+            <a:ext cx="6326545" cy="707886"/>
+          </a:xfrm>
+          <a:prstGeom prst="rect">
+            <a:avLst/>
+          </a:prstGeom>
+          <a:noFill/>
+        </p:spPr>
+        <p:txBody>
+          <a:bodyPr wrap="square" rtlCol="0">
+            <a:spAutoFit/>
+          </a:bodyPr>
+          <a:lstStyle/>
+          <a:p>
+            <a:pPr marL="1028700" lvl="1" indent="-571500">
+              <a:buFont typeface="Wingdings" panose="05000000000000000000" pitchFamily="2" charset="2"/>
+              <a:buChar char="l"/>
+            </a:pPr>
+            <a:r>
+              <a:rPr lang="ko-KR" altLang="en-US" sz="4000" dirty="0">
+                <a:solidFill>
+                  <a:schemeClr val="bg1"/>
+                </a:solidFill>
+              </a:rPr>
+              <a:t>목표</a:t>
+            </a:r>
+            <a:endParaRPr lang="en-US" altLang="ko-KR" sz="4000" dirty="0">
+              <a:solidFill>
+                <a:schemeClr val="bg1"/>
+              </a:solidFill>
+            </a:endParaRPr>
+          </a:p>
+        </p:txBody>
+      </p:sp>
+      <p:pic>
+        <p:nvPicPr>
+          <p:cNvPr id="3" name="Picture 2"/>
+          <p:cNvPicPr>
+            <a:picLocks noChangeAspect="1"/>
+          </p:cNvPicPr>
+          <p:nvPr/>
+        </p:nvPicPr>
+        <p:blipFill>
+          <a:blip r:embed="rId2"/>
+          <a:stretch>
+            <a:fillRect/>
+          </a:stretch>
+        </p:blipFill>
+        <p:spPr>
+          <a:xfrm>
+            <a:off x="619983" y="1637118"/>
+            <a:ext cx="8781593" cy="4570109"/>
+          </a:xfrm>
+          <a:prstGeom prst="rect">
+            <a:avLst/>
+          </a:prstGeom>
+        </p:spPr>
+      </p:pic>
+      <p:cxnSp>
+        <p:nvCxnSpPr>
+          <p:cNvPr id="5" name="Straight Connector 4"/>
+          <p:cNvCxnSpPr/>
+          <p:nvPr/>
+        </p:nvCxnSpPr>
+        <p:spPr>
+          <a:xfrm flipV="1">
+            <a:off x="619983" y="1313267"/>
+            <a:ext cx="5949863" cy="12526"/>
+          </a:xfrm>
+          <a:prstGeom prst="line">
+            <a:avLst/>
+          </a:prstGeom>
+          <a:ln>
+            <a:solidFill>
+              <a:schemeClr val="accent4">
+                <a:lumMod val="40000"/>
+                <a:lumOff val="60000"/>
+              </a:schemeClr>
+            </a:solidFill>
+          </a:ln>
+        </p:spPr>
+        <p:style>
+          <a:lnRef idx="1">
+            <a:schemeClr val="accent1"/>
+          </a:lnRef>
+          <a:fillRef idx="0">
+            <a:schemeClr val="accent1"/>
+          </a:fillRef>
+          <a:effectRef idx="0">
+            <a:schemeClr val="accent1"/>
+          </a:effectRef>
+          <a:fontRef idx="minor">
+            <a:schemeClr val="tx1"/>
+          </a:fontRef>
+        </p:style>
+      </p:cxnSp>
+      <p:cxnSp>
+        <p:nvCxnSpPr>
+          <p:cNvPr id="6" name="Straight Connector 5"/>
+          <p:cNvCxnSpPr/>
+          <p:nvPr/>
+        </p:nvCxnSpPr>
+        <p:spPr>
+          <a:xfrm flipV="1">
+            <a:off x="619984" y="1495938"/>
+            <a:ext cx="5949863" cy="12526"/>
+          </a:xfrm>
+          <a:prstGeom prst="line">
+            <a:avLst/>
+          </a:prstGeom>
+          <a:ln>
+            <a:solidFill>
+              <a:schemeClr val="accent4">
+                <a:lumMod val="40000"/>
+                <a:lumOff val="60000"/>
+              </a:schemeClr>
+            </a:solidFill>
+          </a:ln>
+        </p:spPr>
+        <p:style>
+          <a:lnRef idx="1">
+            <a:schemeClr val="accent1"/>
+          </a:lnRef>
+          <a:fillRef idx="0">
+            <a:schemeClr val="accent1"/>
+          </a:fillRef>
+          <a:effectRef idx="0">
+            <a:schemeClr val="accent1"/>
+          </a:effectRef>
+          <a:fontRef idx="minor">
+            <a:schemeClr val="tx1"/>
+          </a:fontRef>
+        </p:style>
+      </p:cxnSp>
+    </p:spTree>
+    <p:extLst>
+      <p:ext uri="{BB962C8B-B14F-4D97-AF65-F5344CB8AC3E}">
+        <p14:creationId xmlns:p14="http://schemas.microsoft.com/office/powerpoint/2010/main" val="1378435236"/>
+      </p:ext>
+    </p:extLst>
+  </p:cSld>
+  <p:clrMapOvr>
+    <a:masterClrMapping/>
+  </p:clrMapOvr>
+  <mc:AlternateContent xmlns:mc="http://schemas.openxmlformats.org/markup-compatibility/2006" xmlns:p14="http://schemas.microsoft.com/office/powerpoint/2010/main">
+    <mc:Choice Requires="p14">
+      <p:transition spd="slow" p14:dur="2000">
+        <p:push dir="u"/>
+      </p:transition>
+    </mc:Choice>
+    <mc:Fallback xmlns="">
+      <p:transition spd="slow">
+        <p:push dir="u"/>
+      </p:transition>
+    </mc:Fallback>
+  </mc:AlternateContent>
+  <p:timing>
+    <p:tnLst>
+      <p:par>
+        <p:cTn id="1" dur="indefinite" restart="never" nodeType="tmRoot"/>
+      </p:par>
+    </p:tnLst>
+  </p:timing>
+</p:sld>
+</file>
+
+<file path=ppt/slides/slide4.xml><?xml version="1.0" encoding="utf-8"?>
+<p:sld xmlns:a="http://schemas.openxmlformats.org/drawingml/2006/main" xmlns:r="http://schemas.openxmlformats.org/officeDocument/2006/relationships" xmlns:p="http://schemas.openxmlformats.org/presentationml/2006/main">
+  <p:cSld>
+    <p:spTree>
+      <p:nvGrpSpPr>
+        <p:cNvPr id="1" name=""/>
+        <p:cNvGrpSpPr/>
+        <p:nvPr/>
+      </p:nvGrpSpPr>
+      <p:grpSpPr>
+        <a:xfrm>
+          <a:off x="0" y="0"/>
+          <a:ext cx="0" cy="0"/>
+          <a:chOff x="0" y="0"/>
+          <a:chExt cx="0" cy="0"/>
+        </a:xfrm>
+      </p:grpSpPr>
+      <p:sp>
+        <p:nvSpPr>
+          <p:cNvPr id="2" name="Rectangle 1"/>
+          <p:cNvSpPr/>
+          <p:nvPr/>
+        </p:nvSpPr>
+        <p:spPr>
+          <a:xfrm>
+            <a:off x="0" y="411235"/>
+            <a:ext cx="6598276" cy="707886"/>
+          </a:xfrm>
+          <a:prstGeom prst="rect">
+            <a:avLst/>
+          </a:prstGeom>
+        </p:spPr>
+        <p:txBody>
+          <a:bodyPr wrap="square">
+            <a:spAutoFit/>
+          </a:bodyPr>
+          <a:lstStyle/>
+          <a:p>
+            <a:pPr marL="1028700" lvl="1" indent="-571500">
+              <a:buFont typeface="Wingdings" panose="05000000000000000000" pitchFamily="2" charset="2"/>
+              <a:buChar char="l"/>
+            </a:pPr>
+            <a:r>
+              <a:rPr lang="ko-KR" altLang="en-US" sz="4000" dirty="0">
+                <a:solidFill>
+                  <a:schemeClr val="bg1"/>
+                </a:solidFill>
+              </a:rPr>
+              <a:t>기본 소스</a:t>
+            </a:r>
+            <a:r>
+              <a:rPr lang="en-US" altLang="ko-KR" sz="4000" dirty="0">
+                <a:solidFill>
+                  <a:schemeClr val="bg1"/>
+                </a:solidFill>
+              </a:rPr>
+              <a:t>(</a:t>
+            </a:r>
+            <a:r>
+              <a:rPr lang="ko-KR" altLang="en-US" sz="4000" dirty="0">
+                <a:solidFill>
+                  <a:schemeClr val="bg1"/>
+                </a:solidFill>
+              </a:rPr>
+              <a:t>포크한 소스</a:t>
+            </a:r>
+            <a:r>
+              <a:rPr lang="en-US" altLang="ko-KR" sz="4000" dirty="0">
+                <a:solidFill>
+                  <a:schemeClr val="bg1"/>
+                </a:solidFill>
+              </a:rPr>
+              <a:t>)</a:t>
+            </a:r>
+          </a:p>
+        </p:txBody>
+      </p:sp>
+      <p:cxnSp>
+        <p:nvCxnSpPr>
+          <p:cNvPr id="5" name="Straight Connector 4"/>
+          <p:cNvCxnSpPr/>
+          <p:nvPr/>
+        </p:nvCxnSpPr>
+        <p:spPr>
+          <a:xfrm flipV="1">
+            <a:off x="619984" y="1311138"/>
+            <a:ext cx="5949863" cy="12526"/>
+          </a:xfrm>
+          <a:prstGeom prst="line">
+            <a:avLst/>
+          </a:prstGeom>
+          <a:ln>
+            <a:solidFill>
+              <a:schemeClr val="accent4">
+                <a:lumMod val="40000"/>
+                <a:lumOff val="60000"/>
+              </a:schemeClr>
+            </a:solidFill>
+          </a:ln>
+        </p:spPr>
+        <p:style>
+          <a:lnRef idx="1">
+            <a:schemeClr val="accent1"/>
+          </a:lnRef>
+          <a:fillRef idx="0">
+            <a:schemeClr val="accent1"/>
+          </a:fillRef>
+          <a:effectRef idx="0">
+            <a:schemeClr val="accent1"/>
+          </a:effectRef>
+          <a:fontRef idx="minor">
+            <a:schemeClr val="tx1"/>
+          </a:fontRef>
+        </p:style>
+      </p:cxnSp>
+      <p:cxnSp>
+        <p:nvCxnSpPr>
+          <p:cNvPr id="6" name="Straight Connector 5"/>
+          <p:cNvCxnSpPr/>
+          <p:nvPr/>
+        </p:nvCxnSpPr>
+        <p:spPr>
+          <a:xfrm flipV="1">
+            <a:off x="619983" y="1476064"/>
+            <a:ext cx="5949863" cy="12526"/>
+          </a:xfrm>
+          <a:prstGeom prst="line">
+            <a:avLst/>
+          </a:prstGeom>
+          <a:ln>
+            <a:solidFill>
+              <a:schemeClr val="accent4">
+                <a:lumMod val="40000"/>
+                <a:lumOff val="60000"/>
+              </a:schemeClr>
+            </a:solidFill>
+          </a:ln>
+        </p:spPr>
+        <p:style>
+          <a:lnRef idx="1">
+            <a:schemeClr val="accent1"/>
+          </a:lnRef>
+          <a:fillRef idx="0">
+            <a:schemeClr val="accent1"/>
+          </a:fillRef>
+          <a:effectRef idx="0">
+            <a:schemeClr val="accent1"/>
+          </a:effectRef>
+          <a:fontRef idx="minor">
+            <a:schemeClr val="tx1"/>
+          </a:fontRef>
+        </p:style>
+      </p:cxnSp>
+      <p:cxnSp>
+        <p:nvCxnSpPr>
+          <p:cNvPr id="7" name="Straight Connector 6"/>
+          <p:cNvCxnSpPr/>
+          <p:nvPr/>
+        </p:nvCxnSpPr>
+        <p:spPr>
+          <a:xfrm flipV="1">
+            <a:off x="619984" y="1658735"/>
+            <a:ext cx="5949863" cy="12526"/>
+          </a:xfrm>
+          <a:prstGeom prst="line">
+            <a:avLst/>
+          </a:prstGeom>
+          <a:ln>
+            <a:solidFill>
+              <a:schemeClr val="accent4">
+                <a:lumMod val="40000"/>
+                <a:lumOff val="60000"/>
+              </a:schemeClr>
+            </a:solidFill>
+          </a:ln>
+        </p:spPr>
+        <p:style>
+          <a:lnRef idx="1">
+            <a:schemeClr val="accent1"/>
+          </a:lnRef>
+          <a:fillRef idx="0">
+            <a:schemeClr val="accent1"/>
+          </a:fillRef>
+          <a:effectRef idx="0">
+            <a:schemeClr val="accent1"/>
+          </a:effectRef>
+          <a:fontRef idx="minor">
+            <a:schemeClr val="tx1"/>
+          </a:fontRef>
+        </p:style>
+      </p:cxnSp>
+      <p:pic>
+        <p:nvPicPr>
+          <p:cNvPr id="3" name="Picture 2"/>
+          <p:cNvPicPr>
+            <a:picLocks noChangeAspect="1"/>
+          </p:cNvPicPr>
+          <p:nvPr/>
+        </p:nvPicPr>
+        <p:blipFill>
+          <a:blip r:embed="rId2"/>
+          <a:stretch>
+            <a:fillRect/>
+          </a:stretch>
+        </p:blipFill>
+        <p:spPr>
+          <a:xfrm>
+            <a:off x="619981" y="4339937"/>
+            <a:ext cx="6227627" cy="2022226"/>
+          </a:xfrm>
+          <a:prstGeom prst="rect">
+            <a:avLst/>
+          </a:prstGeom>
+        </p:spPr>
+      </p:pic>
+      <p:pic>
+        <p:nvPicPr>
+          <p:cNvPr id="4" name="Picture 3"/>
+          <p:cNvPicPr>
+            <a:picLocks noChangeAspect="1"/>
+          </p:cNvPicPr>
+          <p:nvPr/>
+        </p:nvPicPr>
+        <p:blipFill>
+          <a:blip r:embed="rId3"/>
+          <a:stretch>
+            <a:fillRect/>
+          </a:stretch>
+        </p:blipFill>
+        <p:spPr>
+          <a:xfrm>
+            <a:off x="619982" y="1848309"/>
+            <a:ext cx="6300231" cy="1944656"/>
+          </a:xfrm>
+          <a:prstGeom prst="rect">
+            <a:avLst/>
+          </a:prstGeom>
+        </p:spPr>
+      </p:pic>
+      <p:grpSp>
+        <p:nvGrpSpPr>
+          <p:cNvPr id="20" name="Group 19"/>
+          <p:cNvGrpSpPr/>
+          <p:nvPr/>
+        </p:nvGrpSpPr>
+        <p:grpSpPr>
+          <a:xfrm>
+            <a:off x="848729" y="2658356"/>
+            <a:ext cx="10304376" cy="570316"/>
+            <a:chOff x="848729" y="2658356"/>
+            <a:chExt cx="10304376" cy="570316"/>
+          </a:xfrm>
+        </p:grpSpPr>
+        <p:grpSp>
+          <p:nvGrpSpPr>
+            <p:cNvPr id="18" name="Group 17"/>
+            <p:cNvGrpSpPr/>
+            <p:nvPr/>
+          </p:nvGrpSpPr>
+          <p:grpSpPr>
+            <a:xfrm>
+              <a:off x="848729" y="2658356"/>
+              <a:ext cx="6873566" cy="352428"/>
+              <a:chOff x="848729" y="2658356"/>
+              <a:chExt cx="6873566" cy="352428"/>
+            </a:xfrm>
+          </p:grpSpPr>
+          <p:sp>
+            <p:nvSpPr>
+              <p:cNvPr id="8" name="Rounded Rectangle 7"/>
+              <p:cNvSpPr/>
+              <p:nvPr/>
+            </p:nvSpPr>
+            <p:spPr>
+              <a:xfrm>
+                <a:off x="848729" y="2658356"/>
+                <a:ext cx="683795" cy="328433"/>
+              </a:xfrm>
+              <a:prstGeom prst="roundRect">
+                <a:avLst/>
+              </a:prstGeom>
+              <a:noFill/>
+              <a:ln w="57150" cmpd="sng">
+                <a:solidFill>
+                  <a:srgbClr val="FF0000"/>
+                </a:solidFill>
+              </a:ln>
+            </p:spPr>
+            <p:style>
+              <a:lnRef idx="2">
+                <a:schemeClr val="accent1">
+                  <a:shade val="50000"/>
+                </a:schemeClr>
+              </a:lnRef>
+              <a:fillRef idx="1">
+                <a:schemeClr val="accent1"/>
+              </a:fillRef>
+              <a:effectRef idx="0">
+                <a:schemeClr val="accent1"/>
+              </a:effectRef>
+              <a:fontRef idx="minor">
+                <a:schemeClr val="lt1"/>
+              </a:fontRef>
+            </p:style>
+            <p:txBody>
+              <a:bodyPr lIns="360000" tIns="360000" rIns="360000" rtlCol="0" anchor="ctr"/>
+              <a:lstStyle/>
+              <a:p>
+                <a:pPr algn="ctr"/>
+                <a:endParaRPr lang="ko-KR" altLang="en-US"/>
+              </a:p>
+            </p:txBody>
+          </p:sp>
+          <p:cxnSp>
+            <p:nvCxnSpPr>
+              <p:cNvPr id="11" name="Elbow Connector 10"/>
+              <p:cNvCxnSpPr>
+                <a:stCxn id="8" idx="3"/>
+              </p:cNvCxnSpPr>
+              <p:nvPr/>
+            </p:nvCxnSpPr>
+            <p:spPr>
+              <a:xfrm>
+                <a:off x="1532524" y="2822573"/>
+                <a:ext cx="6189771" cy="188211"/>
+              </a:xfrm>
+              <a:prstGeom prst="bentConnector3">
+                <a:avLst>
+                  <a:gd name="adj1" fmla="val 50000"/>
+                </a:avLst>
+              </a:prstGeom>
+              <a:ln w="41275">
+                <a:solidFill>
+                  <a:srgbClr val="FF0000"/>
+                </a:solidFill>
+                <a:tailEnd type="triangle"/>
+              </a:ln>
+            </p:spPr>
+            <p:style>
+              <a:lnRef idx="1">
+                <a:schemeClr val="accent1"/>
+              </a:lnRef>
+              <a:fillRef idx="0">
+                <a:schemeClr val="accent1"/>
+              </a:fillRef>
+              <a:effectRef idx="0">
+                <a:schemeClr val="accent1"/>
+              </a:effectRef>
+              <a:fontRef idx="minor">
+                <a:schemeClr val="tx1"/>
+              </a:fontRef>
+            </p:style>
+          </p:cxnSp>
+        </p:grpSp>
+        <p:sp>
+          <p:nvSpPr>
+            <p:cNvPr id="16" name="TextBox 15"/>
+            <p:cNvSpPr txBox="1"/>
+            <p:nvPr/>
+          </p:nvSpPr>
+          <p:spPr>
+            <a:xfrm>
+              <a:off x="7765961" y="2859340"/>
+              <a:ext cx="3387144" cy="369332"/>
+            </a:xfrm>
+            <a:prstGeom prst="rect">
+              <a:avLst/>
+            </a:prstGeom>
+            <a:noFill/>
+          </p:spPr>
+          <p:txBody>
+            <a:bodyPr wrap="square" rtlCol="0">
+              <a:spAutoFit/>
+            </a:bodyPr>
+            <a:lstStyle/>
+            <a:p>
+              <a:r>
+                <a:rPr lang="ko-KR" altLang="en-US" b="1" dirty="0" smtClean="0">
+                  <a:solidFill>
+                    <a:schemeClr val="bg1"/>
+                  </a:solidFill>
+                </a:rPr>
+                <a:t>지뢰찾기의 메인 소스</a:t>
+              </a:r>
+              <a:endParaRPr lang="ko-KR" altLang="en-US" b="1" dirty="0">
+                <a:solidFill>
+                  <a:schemeClr val="bg1"/>
+                </a:solidFill>
+              </a:endParaRPr>
+            </a:p>
+          </p:txBody>
+        </p:sp>
+      </p:grpSp>
+      <p:grpSp>
+        <p:nvGrpSpPr>
+          <p:cNvPr id="21" name="Group 20"/>
+          <p:cNvGrpSpPr/>
+          <p:nvPr/>
+        </p:nvGrpSpPr>
+        <p:grpSpPr>
+          <a:xfrm>
+            <a:off x="848729" y="3044006"/>
+            <a:ext cx="10386677" cy="554667"/>
+            <a:chOff x="848729" y="3044006"/>
+            <a:chExt cx="10386677" cy="554667"/>
+          </a:xfrm>
+        </p:grpSpPr>
+        <p:grpSp>
+          <p:nvGrpSpPr>
+            <p:cNvPr id="19" name="Group 18"/>
+            <p:cNvGrpSpPr/>
+            <p:nvPr/>
+          </p:nvGrpSpPr>
+          <p:grpSpPr>
+            <a:xfrm>
+              <a:off x="848729" y="3044006"/>
+              <a:ext cx="7785145" cy="328433"/>
+              <a:chOff x="848729" y="3044006"/>
+              <a:chExt cx="7785145" cy="328433"/>
+            </a:xfrm>
+          </p:grpSpPr>
+          <p:sp>
+            <p:nvSpPr>
+              <p:cNvPr id="9" name="Rounded Rectangle 8"/>
+              <p:cNvSpPr/>
+              <p:nvPr/>
+            </p:nvSpPr>
+            <p:spPr>
+              <a:xfrm>
+                <a:off x="848729" y="3044006"/>
+                <a:ext cx="1595374" cy="328433"/>
+              </a:xfrm>
+              <a:prstGeom prst="roundRect">
+                <a:avLst/>
+              </a:prstGeom>
+              <a:noFill/>
+              <a:ln w="57150" cmpd="sng">
+                <a:solidFill>
+                  <a:srgbClr val="FF0000"/>
+                </a:solidFill>
+              </a:ln>
+            </p:spPr>
+            <p:style>
+              <a:lnRef idx="2">
+                <a:schemeClr val="accent1">
+                  <a:shade val="50000"/>
+                </a:schemeClr>
+              </a:lnRef>
+              <a:fillRef idx="1">
+                <a:schemeClr val="accent1"/>
+              </a:fillRef>
+              <a:effectRef idx="0">
+                <a:schemeClr val="accent1"/>
+              </a:effectRef>
+              <a:fontRef idx="minor">
+                <a:schemeClr val="lt1"/>
+              </a:fontRef>
+            </p:style>
+            <p:txBody>
+              <a:bodyPr lIns="360000" tIns="360000" rIns="360000" rtlCol="0" anchor="ctr"/>
+              <a:lstStyle/>
+              <a:p>
+                <a:pPr algn="ctr"/>
+                <a:endParaRPr lang="ko-KR" altLang="en-US"/>
+              </a:p>
+            </p:txBody>
+          </p:sp>
+          <p:cxnSp>
+            <p:nvCxnSpPr>
+              <p:cNvPr id="14" name="Elbow Connector 13"/>
+              <p:cNvCxnSpPr/>
+              <p:nvPr/>
+            </p:nvCxnSpPr>
+            <p:spPr>
+              <a:xfrm>
+                <a:off x="2444103" y="3168872"/>
+                <a:ext cx="6189771" cy="188211"/>
+              </a:xfrm>
+              <a:prstGeom prst="bentConnector3">
+                <a:avLst>
+                  <a:gd name="adj1" fmla="val 36476"/>
+                </a:avLst>
+              </a:prstGeom>
+              <a:ln w="41275">
+                <a:solidFill>
+                  <a:srgbClr val="FF0000"/>
+                </a:solidFill>
+                <a:tailEnd type="triangle"/>
+              </a:ln>
+            </p:spPr>
+            <p:style>
+              <a:lnRef idx="1">
+                <a:schemeClr val="accent1"/>
+              </a:lnRef>
+              <a:fillRef idx="0">
+                <a:schemeClr val="accent1"/>
+              </a:fillRef>
+              <a:effectRef idx="0">
+                <a:schemeClr val="accent1"/>
+              </a:effectRef>
+              <a:fontRef idx="minor">
+                <a:schemeClr val="tx1"/>
+              </a:fontRef>
+            </p:style>
+          </p:cxnSp>
+        </p:grpSp>
+        <p:sp>
+          <p:nvSpPr>
+            <p:cNvPr id="17" name="TextBox 16"/>
+            <p:cNvSpPr txBox="1"/>
+            <p:nvPr/>
+          </p:nvSpPr>
+          <p:spPr>
+            <a:xfrm>
+              <a:off x="8633874" y="3229341"/>
+              <a:ext cx="2601532" cy="369332"/>
+            </a:xfrm>
+            <a:prstGeom prst="rect">
+              <a:avLst/>
+            </a:prstGeom>
+            <a:noFill/>
+          </p:spPr>
+          <p:txBody>
+            <a:bodyPr wrap="square" rtlCol="0">
+              <a:spAutoFit/>
+            </a:bodyPr>
+            <a:lstStyle/>
+            <a:p>
+              <a:r>
+                <a:rPr lang="ko-KR" altLang="en-US" b="1" dirty="0" smtClean="0">
+                  <a:solidFill>
+                    <a:schemeClr val="bg1"/>
+                  </a:solidFill>
+                </a:rPr>
+                <a:t>지뢰찾기 실행소스</a:t>
+              </a:r>
+              <a:endParaRPr lang="ko-KR" altLang="en-US" b="1" dirty="0">
+                <a:solidFill>
+                  <a:schemeClr val="bg1"/>
+                </a:solidFill>
+              </a:endParaRPr>
+            </a:p>
+          </p:txBody>
+        </p:sp>
+      </p:grpSp>
+      <p:grpSp>
+        <p:nvGrpSpPr>
+          <p:cNvPr id="22" name="Group 21"/>
+          <p:cNvGrpSpPr/>
+          <p:nvPr/>
+        </p:nvGrpSpPr>
+        <p:grpSpPr>
+          <a:xfrm>
+            <a:off x="671175" y="4878917"/>
+            <a:ext cx="10338306" cy="472889"/>
+            <a:chOff x="814799" y="2755783"/>
+            <a:chExt cx="10338306" cy="472889"/>
+          </a:xfrm>
+        </p:grpSpPr>
+        <p:grpSp>
+          <p:nvGrpSpPr>
+            <p:cNvPr id="23" name="Group 22"/>
+            <p:cNvGrpSpPr/>
+            <p:nvPr/>
+          </p:nvGrpSpPr>
+          <p:grpSpPr>
+            <a:xfrm>
+              <a:off x="814799" y="2755783"/>
+              <a:ext cx="6865394" cy="328433"/>
+              <a:chOff x="814799" y="2755783"/>
+              <a:chExt cx="6865394" cy="328433"/>
+            </a:xfrm>
+          </p:grpSpPr>
+          <p:sp>
+            <p:nvSpPr>
+              <p:cNvPr id="25" name="Rounded Rectangle 24"/>
+              <p:cNvSpPr/>
+              <p:nvPr/>
+            </p:nvSpPr>
+            <p:spPr>
+              <a:xfrm>
+                <a:off x="814799" y="2755783"/>
+                <a:ext cx="1638850" cy="328433"/>
+              </a:xfrm>
+              <a:prstGeom prst="roundRect">
+                <a:avLst/>
+              </a:prstGeom>
+              <a:noFill/>
+              <a:ln w="57150" cmpd="sng">
+                <a:solidFill>
+                  <a:srgbClr val="FF0000"/>
+                </a:solidFill>
+              </a:ln>
+            </p:spPr>
+            <p:style>
+              <a:lnRef idx="2">
+                <a:schemeClr val="accent1">
+                  <a:shade val="50000"/>
+                </a:schemeClr>
+              </a:lnRef>
+              <a:fillRef idx="1">
+                <a:schemeClr val="accent1"/>
+              </a:fillRef>
+              <a:effectRef idx="0">
+                <a:schemeClr val="accent1"/>
+              </a:effectRef>
+              <a:fontRef idx="minor">
+                <a:schemeClr val="lt1"/>
+              </a:fontRef>
+            </p:style>
+            <p:txBody>
+              <a:bodyPr lIns="360000" tIns="360000" rIns="360000" rtlCol="0" anchor="ctr"/>
+              <a:lstStyle/>
+              <a:p>
+                <a:pPr algn="ctr"/>
+                <a:endParaRPr lang="ko-KR" altLang="en-US"/>
+              </a:p>
+            </p:txBody>
+          </p:sp>
+          <p:cxnSp>
+            <p:nvCxnSpPr>
+              <p:cNvPr id="26" name="Elbow Connector 25"/>
+              <p:cNvCxnSpPr/>
+              <p:nvPr/>
+            </p:nvCxnSpPr>
+            <p:spPr>
+              <a:xfrm>
+                <a:off x="2445477" y="2765234"/>
+                <a:ext cx="5234716" cy="188211"/>
+              </a:xfrm>
+              <a:prstGeom prst="bentConnector3">
+                <a:avLst>
+                  <a:gd name="adj1" fmla="val 50000"/>
+                </a:avLst>
+              </a:prstGeom>
+              <a:ln w="41275">
+                <a:solidFill>
+                  <a:srgbClr val="FF0000"/>
+                </a:solidFill>
+                <a:tailEnd type="triangle"/>
+              </a:ln>
+            </p:spPr>
+            <p:style>
+              <a:lnRef idx="1">
+                <a:schemeClr val="accent1"/>
+              </a:lnRef>
+              <a:fillRef idx="0">
+                <a:schemeClr val="accent1"/>
+              </a:fillRef>
+              <a:effectRef idx="0">
+                <a:schemeClr val="accent1"/>
+              </a:effectRef>
+              <a:fontRef idx="minor">
+                <a:schemeClr val="tx1"/>
+              </a:fontRef>
+            </p:style>
+          </p:cxnSp>
+        </p:grpSp>
+        <p:sp>
+          <p:nvSpPr>
+            <p:cNvPr id="24" name="TextBox 23"/>
+            <p:cNvSpPr txBox="1"/>
+            <p:nvPr/>
+          </p:nvSpPr>
+          <p:spPr>
+            <a:xfrm>
+              <a:off x="7765961" y="2859340"/>
+              <a:ext cx="3387144" cy="369332"/>
+            </a:xfrm>
+            <a:prstGeom prst="rect">
+              <a:avLst/>
+            </a:prstGeom>
+            <a:noFill/>
+          </p:spPr>
+          <p:txBody>
+            <a:bodyPr wrap="square" rtlCol="0">
+              <a:spAutoFit/>
+            </a:bodyPr>
+            <a:lstStyle/>
+            <a:p>
+              <a:r>
+                <a:rPr lang="ko-KR" altLang="en-US" b="1" dirty="0" smtClean="0">
+                  <a:solidFill>
+                    <a:schemeClr val="bg1"/>
+                  </a:solidFill>
+                </a:rPr>
+                <a:t>지뢰 판을 만드는 함수</a:t>
+              </a:r>
+              <a:endParaRPr lang="ko-KR" altLang="en-US" b="1" dirty="0">
+                <a:solidFill>
+                  <a:schemeClr val="bg1"/>
+                </a:solidFill>
+              </a:endParaRPr>
+            </a:p>
+          </p:txBody>
+        </p:sp>
+      </p:grpSp>
+      <p:grpSp>
+        <p:nvGrpSpPr>
+          <p:cNvPr id="28" name="Group 27"/>
+          <p:cNvGrpSpPr/>
+          <p:nvPr/>
+        </p:nvGrpSpPr>
+        <p:grpSpPr>
+          <a:xfrm>
+            <a:off x="593705" y="5262762"/>
+            <a:ext cx="11010159" cy="749888"/>
+            <a:chOff x="814799" y="2755783"/>
+            <a:chExt cx="10338306" cy="749888"/>
+          </a:xfrm>
+        </p:grpSpPr>
+        <p:grpSp>
+          <p:nvGrpSpPr>
+            <p:cNvPr id="29" name="Group 28"/>
+            <p:cNvGrpSpPr/>
+            <p:nvPr/>
+          </p:nvGrpSpPr>
+          <p:grpSpPr>
+            <a:xfrm>
+              <a:off x="814799" y="2755783"/>
+              <a:ext cx="6865394" cy="328433"/>
+              <a:chOff x="814799" y="2755783"/>
+              <a:chExt cx="6865394" cy="328433"/>
+            </a:xfrm>
+          </p:grpSpPr>
+          <p:sp>
+            <p:nvSpPr>
+              <p:cNvPr id="31" name="Rounded Rectangle 30"/>
+              <p:cNvSpPr/>
+              <p:nvPr/>
+            </p:nvSpPr>
+            <p:spPr>
+              <a:xfrm>
+                <a:off x="814799" y="2755783"/>
+                <a:ext cx="1531173" cy="328433"/>
+              </a:xfrm>
+              <a:prstGeom prst="roundRect">
+                <a:avLst/>
+              </a:prstGeom>
+              <a:noFill/>
+              <a:ln w="57150" cmpd="sng">
+                <a:solidFill>
+                  <a:srgbClr val="FF0000"/>
+                </a:solidFill>
+              </a:ln>
+            </p:spPr>
+            <p:style>
+              <a:lnRef idx="2">
+                <a:schemeClr val="accent1">
+                  <a:shade val="50000"/>
+                </a:schemeClr>
+              </a:lnRef>
+              <a:fillRef idx="1">
+                <a:schemeClr val="accent1"/>
+              </a:fillRef>
+              <a:effectRef idx="0">
+                <a:schemeClr val="accent1"/>
+              </a:effectRef>
+              <a:fontRef idx="minor">
+                <a:schemeClr val="lt1"/>
+              </a:fontRef>
+            </p:style>
+            <p:txBody>
+              <a:bodyPr lIns="360000" tIns="360000" rIns="360000" rtlCol="0" anchor="ctr"/>
+              <a:lstStyle/>
+              <a:p>
+                <a:pPr algn="ctr"/>
+                <a:endParaRPr lang="ko-KR" altLang="en-US"/>
+              </a:p>
+            </p:txBody>
+          </p:sp>
+          <p:cxnSp>
+            <p:nvCxnSpPr>
+              <p:cNvPr id="32" name="Elbow Connector 31"/>
+              <p:cNvCxnSpPr/>
+              <p:nvPr/>
+            </p:nvCxnSpPr>
+            <p:spPr>
+              <a:xfrm>
+                <a:off x="2345972" y="2765234"/>
+                <a:ext cx="5334221" cy="188211"/>
+              </a:xfrm>
+              <a:prstGeom prst="bentConnector3">
+                <a:avLst>
+                  <a:gd name="adj1" fmla="val 74484"/>
+                </a:avLst>
+              </a:prstGeom>
+              <a:ln w="41275">
+                <a:solidFill>
+                  <a:srgbClr val="FF0000"/>
+                </a:solidFill>
+                <a:tailEnd type="triangle"/>
+              </a:ln>
+            </p:spPr>
+            <p:style>
+              <a:lnRef idx="1">
+                <a:schemeClr val="accent1"/>
+              </a:lnRef>
+              <a:fillRef idx="0">
+                <a:schemeClr val="accent1"/>
+              </a:fillRef>
+              <a:effectRef idx="0">
+                <a:schemeClr val="accent1"/>
+              </a:effectRef>
+              <a:fontRef idx="minor">
+                <a:schemeClr val="tx1"/>
+              </a:fontRef>
+            </p:style>
+          </p:cxnSp>
+        </p:grpSp>
+        <p:sp>
+          <p:nvSpPr>
+            <p:cNvPr id="30" name="TextBox 29"/>
+            <p:cNvSpPr txBox="1"/>
+            <p:nvPr/>
+          </p:nvSpPr>
+          <p:spPr>
+            <a:xfrm>
+              <a:off x="7765961" y="2859340"/>
+              <a:ext cx="3387144" cy="646331"/>
+            </a:xfrm>
+            <a:prstGeom prst="rect">
+              <a:avLst/>
+            </a:prstGeom>
+            <a:noFill/>
+          </p:spPr>
+          <p:txBody>
+            <a:bodyPr wrap="square" rtlCol="0">
+              <a:spAutoFit/>
+            </a:bodyPr>
+            <a:lstStyle/>
+            <a:p>
+              <a:r>
+                <a:rPr lang="ko-KR" altLang="en-US" b="1" dirty="0" smtClean="0">
+                  <a:solidFill>
+                    <a:schemeClr val="bg1"/>
+                  </a:solidFill>
+                </a:rPr>
+                <a:t>지뢰를 랜덤으로 설치하는 함수</a:t>
+              </a:r>
+              <a:endParaRPr lang="ko-KR" altLang="en-US" b="1" dirty="0">
+                <a:solidFill>
+                  <a:schemeClr val="bg1"/>
+                </a:solidFill>
+              </a:endParaRPr>
+            </a:p>
+          </p:txBody>
+        </p:sp>
+      </p:grpSp>
+      <p:grpSp>
+        <p:nvGrpSpPr>
+          <p:cNvPr id="33" name="Group 32"/>
+          <p:cNvGrpSpPr/>
+          <p:nvPr/>
+        </p:nvGrpSpPr>
+        <p:grpSpPr>
+          <a:xfrm>
+            <a:off x="619984" y="5606793"/>
+            <a:ext cx="11383126" cy="762066"/>
+            <a:chOff x="841075" y="2743605"/>
+            <a:chExt cx="10312030" cy="762066"/>
+          </a:xfrm>
+        </p:grpSpPr>
+        <p:grpSp>
+          <p:nvGrpSpPr>
+            <p:cNvPr id="34" name="Group 33"/>
+            <p:cNvGrpSpPr/>
+            <p:nvPr/>
+          </p:nvGrpSpPr>
+          <p:grpSpPr>
+            <a:xfrm>
+              <a:off x="841075" y="2743605"/>
+              <a:ext cx="6695017" cy="359775"/>
+              <a:chOff x="841075" y="2743605"/>
+              <a:chExt cx="6695017" cy="359775"/>
+            </a:xfrm>
+          </p:grpSpPr>
+          <p:sp>
+            <p:nvSpPr>
+              <p:cNvPr id="36" name="Rounded Rectangle 35"/>
+              <p:cNvSpPr/>
+              <p:nvPr/>
+            </p:nvSpPr>
+            <p:spPr>
+              <a:xfrm>
+                <a:off x="841075" y="2743605"/>
+                <a:ext cx="2832074" cy="328433"/>
+              </a:xfrm>
+              <a:prstGeom prst="roundRect">
+                <a:avLst/>
+              </a:prstGeom>
+              <a:noFill/>
+              <a:ln w="57150" cmpd="sng">
+                <a:solidFill>
+                  <a:srgbClr val="FF0000"/>
+                </a:solidFill>
+              </a:ln>
+            </p:spPr>
+            <p:style>
+              <a:lnRef idx="2">
+                <a:schemeClr val="accent1">
+                  <a:shade val="50000"/>
+                </a:schemeClr>
+              </a:lnRef>
+              <a:fillRef idx="1">
+                <a:schemeClr val="accent1"/>
+              </a:fillRef>
+              <a:effectRef idx="0">
+                <a:schemeClr val="accent1"/>
+              </a:effectRef>
+              <a:fontRef idx="minor">
+                <a:schemeClr val="lt1"/>
+              </a:fontRef>
+            </p:style>
+            <p:txBody>
+              <a:bodyPr lIns="360000" tIns="360000" rIns="360000" rtlCol="0" anchor="ctr"/>
+              <a:lstStyle/>
+              <a:p>
+                <a:pPr algn="ctr"/>
+                <a:endParaRPr lang="ko-KR" altLang="en-US"/>
+              </a:p>
+            </p:txBody>
+          </p:sp>
+          <p:cxnSp>
+            <p:nvCxnSpPr>
+              <p:cNvPr id="37" name="Elbow Connector 36"/>
+              <p:cNvCxnSpPr/>
+              <p:nvPr/>
+            </p:nvCxnSpPr>
+            <p:spPr>
+              <a:xfrm>
+                <a:off x="3646873" y="2765234"/>
+                <a:ext cx="3889219" cy="338146"/>
+              </a:xfrm>
+              <a:prstGeom prst="bentConnector3">
+                <a:avLst>
+                  <a:gd name="adj1" fmla="val 9269"/>
+                </a:avLst>
+              </a:prstGeom>
+              <a:ln w="41275">
+                <a:solidFill>
+                  <a:srgbClr val="FF0000"/>
+                </a:solidFill>
+                <a:tailEnd type="triangle"/>
+              </a:ln>
+            </p:spPr>
+            <p:style>
+              <a:lnRef idx="1">
+                <a:schemeClr val="accent1"/>
+              </a:lnRef>
+              <a:fillRef idx="0">
+                <a:schemeClr val="accent1"/>
+              </a:fillRef>
+              <a:effectRef idx="0">
+                <a:schemeClr val="accent1"/>
+              </a:effectRef>
+              <a:fontRef idx="minor">
+                <a:schemeClr val="tx1"/>
+              </a:fontRef>
+            </p:style>
+          </p:cxnSp>
+        </p:grpSp>
+        <p:sp>
+          <p:nvSpPr>
+            <p:cNvPr id="35" name="TextBox 34"/>
+            <p:cNvSpPr txBox="1"/>
+            <p:nvPr/>
+          </p:nvSpPr>
+          <p:spPr>
+            <a:xfrm>
+              <a:off x="7765961" y="2859340"/>
+              <a:ext cx="3387144" cy="646331"/>
+            </a:xfrm>
+            <a:prstGeom prst="rect">
+              <a:avLst/>
+            </a:prstGeom>
+            <a:noFill/>
+          </p:spPr>
+          <p:txBody>
+            <a:bodyPr wrap="square" rtlCol="0">
+              <a:spAutoFit/>
+            </a:bodyPr>
+            <a:lstStyle/>
+            <a:p>
+              <a:r>
+                <a:rPr lang="ko-KR" altLang="en-US" b="1" dirty="0" smtClean="0">
+                  <a:solidFill>
+                    <a:schemeClr val="bg1"/>
+                  </a:solidFill>
+                </a:rPr>
+                <a:t>기준을 주변으로 지뢰 탐색 함수</a:t>
+              </a:r>
+              <a:endParaRPr lang="ko-KR" altLang="en-US" b="1" dirty="0">
+                <a:solidFill>
+                  <a:schemeClr val="bg1"/>
+                </a:solidFill>
+              </a:endParaRPr>
+            </a:p>
+          </p:txBody>
+        </p:sp>
+      </p:grpSp>
+      <p:grpSp>
+        <p:nvGrpSpPr>
+          <p:cNvPr id="38" name="Group 37"/>
+          <p:cNvGrpSpPr/>
+          <p:nvPr/>
+        </p:nvGrpSpPr>
+        <p:grpSpPr>
+          <a:xfrm>
+            <a:off x="593706" y="5988304"/>
+            <a:ext cx="10338306" cy="472889"/>
+            <a:chOff x="814799" y="2755783"/>
+            <a:chExt cx="10338306" cy="472889"/>
+          </a:xfrm>
+        </p:grpSpPr>
+        <p:grpSp>
+          <p:nvGrpSpPr>
+            <p:cNvPr id="39" name="Group 38"/>
+            <p:cNvGrpSpPr/>
+            <p:nvPr/>
+          </p:nvGrpSpPr>
+          <p:grpSpPr>
+            <a:xfrm>
+              <a:off x="814799" y="2755783"/>
+              <a:ext cx="6865394" cy="328433"/>
+              <a:chOff x="814799" y="2755783"/>
+              <a:chExt cx="6865394" cy="328433"/>
+            </a:xfrm>
+          </p:grpSpPr>
+          <p:sp>
+            <p:nvSpPr>
+              <p:cNvPr id="41" name="Rounded Rectangle 40"/>
+              <p:cNvSpPr/>
+              <p:nvPr/>
+            </p:nvSpPr>
+            <p:spPr>
+              <a:xfrm>
+                <a:off x="814799" y="2755783"/>
+                <a:ext cx="1638850" cy="328433"/>
+              </a:xfrm>
+              <a:prstGeom prst="roundRect">
+                <a:avLst/>
+              </a:prstGeom>
+              <a:noFill/>
+              <a:ln w="57150" cmpd="sng">
+                <a:solidFill>
+                  <a:srgbClr val="FF0000"/>
+                </a:solidFill>
+              </a:ln>
+            </p:spPr>
+            <p:style>
+              <a:lnRef idx="2">
+                <a:schemeClr val="accent1">
+                  <a:shade val="50000"/>
+                </a:schemeClr>
+              </a:lnRef>
+              <a:fillRef idx="1">
+                <a:schemeClr val="accent1"/>
+              </a:fillRef>
+              <a:effectRef idx="0">
+                <a:schemeClr val="accent1"/>
+              </a:effectRef>
+              <a:fontRef idx="minor">
+                <a:schemeClr val="lt1"/>
+              </a:fontRef>
+            </p:style>
+            <p:txBody>
+              <a:bodyPr lIns="360000" tIns="360000" rIns="360000" rtlCol="0" anchor="ctr"/>
+              <a:lstStyle/>
+              <a:p>
+                <a:pPr algn="ctr"/>
+                <a:endParaRPr lang="ko-KR" altLang="en-US"/>
+              </a:p>
+            </p:txBody>
+          </p:sp>
+          <p:cxnSp>
+            <p:nvCxnSpPr>
+              <p:cNvPr id="42" name="Elbow Connector 41"/>
+              <p:cNvCxnSpPr/>
+              <p:nvPr/>
+            </p:nvCxnSpPr>
+            <p:spPr>
+              <a:xfrm>
+                <a:off x="2445477" y="2765234"/>
+                <a:ext cx="5234716" cy="188211"/>
+              </a:xfrm>
+              <a:prstGeom prst="bentConnector3">
+                <a:avLst>
+                  <a:gd name="adj1" fmla="val 50000"/>
+                </a:avLst>
+              </a:prstGeom>
+              <a:ln w="41275">
+                <a:solidFill>
+                  <a:srgbClr val="FF0000"/>
+                </a:solidFill>
+                <a:tailEnd type="triangle"/>
+              </a:ln>
+            </p:spPr>
+            <p:style>
+              <a:lnRef idx="1">
+                <a:schemeClr val="accent1"/>
+              </a:lnRef>
+              <a:fillRef idx="0">
+                <a:schemeClr val="accent1"/>
+              </a:fillRef>
+              <a:effectRef idx="0">
+                <a:schemeClr val="accent1"/>
+              </a:effectRef>
+              <a:fontRef idx="minor">
+                <a:schemeClr val="tx1"/>
+              </a:fontRef>
+            </p:style>
+          </p:cxnSp>
+        </p:grpSp>
+        <p:sp>
+          <p:nvSpPr>
+            <p:cNvPr id="40" name="TextBox 39"/>
+            <p:cNvSpPr txBox="1"/>
+            <p:nvPr/>
+          </p:nvSpPr>
+          <p:spPr>
+            <a:xfrm>
+              <a:off x="7765961" y="2859340"/>
+              <a:ext cx="3387144" cy="369332"/>
+            </a:xfrm>
+            <a:prstGeom prst="rect">
+              <a:avLst/>
+            </a:prstGeom>
+            <a:noFill/>
+          </p:spPr>
+          <p:txBody>
+            <a:bodyPr wrap="square" rtlCol="0">
+              <a:spAutoFit/>
+            </a:bodyPr>
+            <a:lstStyle/>
+            <a:p>
+              <a:r>
+                <a:rPr lang="ko-KR" altLang="en-US" b="1" dirty="0" smtClean="0">
+                  <a:solidFill>
+                    <a:schemeClr val="bg1"/>
+                  </a:solidFill>
+                </a:rPr>
+                <a:t>지뢰 판에 지뢰를 채우는 함수</a:t>
+              </a:r>
+              <a:endParaRPr lang="ko-KR" altLang="en-US" b="1" dirty="0">
+                <a:solidFill>
+                  <a:schemeClr val="bg1"/>
+                </a:solidFill>
+              </a:endParaRPr>
+            </a:p>
+          </p:txBody>
+        </p:sp>
+      </p:grpSp>
+    </p:spTree>
+    <p:extLst>
+      <p:ext uri="{BB962C8B-B14F-4D97-AF65-F5344CB8AC3E}">
+        <p14:creationId xmlns:p14="http://schemas.microsoft.com/office/powerpoint/2010/main" val="970938237"/>
+      </p:ext>
+    </p:extLst>
+  </p:cSld>
+  <p:clrMapOvr>
+    <a:masterClrMapping/>
+  </p:clrMapOvr>
+  <mc:AlternateContent xmlns:mc="http://schemas.openxmlformats.org/markup-compatibility/2006" xmlns:p14="http://schemas.microsoft.com/office/powerpoint/2010/main">
+    <mc:Choice Requires="p14">
+      <p:transition spd="slow" p14:dur="2000">
+        <p:push dir="u"/>
+      </p:transition>
+    </mc:Choice>
+    <mc:Fallback xmlns="">
+      <p:transition spd="slow">
+        <p:push dir="u"/>
+      </p:transition>
+    </mc:Fallback>
+  </mc:AlternateContent>
+  <p:timing>
+    <p:tnLst>
+      <p:par>
+        <p:cTn id="1" dur="indefinite" restart="never" nodeType="tmRoot">
+          <p:childTnLst>
+            <p:seq concurrent="1" nextAc="seek">
+              <p:cTn id="2" dur="indefinite" nodeType="mainSeq">
+                <p:childTnLst>
+                  <p:par>
+                    <p:cTn id="3" fill="hold">
+                      <p:stCondLst>
+                        <p:cond delay="indefinite"/>
+                      </p:stCondLst>
+                      <p:childTnLst>
+                        <p:par>
+                          <p:cTn id="4" fill="hold">
+                            <p:stCondLst>
+                              <p:cond delay="0"/>
+                            </p:stCondLst>
+                            <p:childTnLst>
+                              <p:par>
+                                <p:cTn id="5" presetID="10" presetClass="entr" presetSubtype="0" fill="hold" nodeType="clickEffect">
+                                  <p:stCondLst>
+                                    <p:cond delay="0"/>
+                                  </p:stCondLst>
+                                  <p:childTnLst>
+                                    <p:set>
+                                      <p:cBhvr>
+                                        <p:cTn id="6" dur="1" fill="hold">
+                                          <p:stCondLst>
+                                            <p:cond delay="0"/>
+                                          </p:stCondLst>
+                                        </p:cTn>
+                                        <p:tgtEl>
+                                          <p:spTgt spid="20"/>
+                                        </p:tgtEl>
+                                        <p:attrNameLst>
+                                          <p:attrName>style.visibility</p:attrName>
+                                        </p:attrNameLst>
+                                      </p:cBhvr>
+                                      <p:to>
+                                        <p:strVal val="visible"/>
+                                      </p:to>
+                                    </p:set>
+                                    <p:animEffect transition="in" filter="fade">
+                                      <p:cBhvr>
+                                        <p:cTn id="7" dur="500"/>
+                                        <p:tgtEl>
+                                          <p:spTgt spid="20"/>
+                                        </p:tgtEl>
+                                      </p:cBhvr>
+                                    </p:animEffect>
+                                  </p:childTnLst>
+                                </p:cTn>
+                              </p:par>
+                            </p:childTnLst>
+                          </p:cTn>
+                        </p:par>
+                      </p:childTnLst>
+                    </p:cTn>
+                  </p:par>
+                  <p:par>
+                    <p:cTn id="8" fill="hold">
+                      <p:stCondLst>
+                        <p:cond delay="indefinite"/>
+                      </p:stCondLst>
+                      <p:childTnLst>
+                        <p:par>
+                          <p:cTn id="9" fill="hold">
+                            <p:stCondLst>
+                              <p:cond delay="0"/>
+                            </p:stCondLst>
+                            <p:childTnLst>
+                              <p:par>
+                                <p:cTn id="10" presetID="10" presetClass="entr" presetSubtype="0" fill="hold" nodeType="clickEffect">
+                                  <p:stCondLst>
+                                    <p:cond delay="0"/>
+                                  </p:stCondLst>
+                                  <p:childTnLst>
+                                    <p:set>
+                                      <p:cBhvr>
+                                        <p:cTn id="11" dur="1" fill="hold">
+                                          <p:stCondLst>
+                                            <p:cond delay="0"/>
+                                          </p:stCondLst>
+                                        </p:cTn>
+                                        <p:tgtEl>
+                                          <p:spTgt spid="21"/>
+                                        </p:tgtEl>
+                                        <p:attrNameLst>
+                                          <p:attrName>style.visibility</p:attrName>
+                                        </p:attrNameLst>
+                                      </p:cBhvr>
+                                      <p:to>
+                                        <p:strVal val="visible"/>
+                                      </p:to>
+                                    </p:set>
+                                    <p:animEffect transition="in" filter="fade">
+                                      <p:cBhvr>
+                                        <p:cTn id="12" dur="500"/>
+                                        <p:tgtEl>
+                                          <p:spTgt spid="21"/>
+                                        </p:tgtEl>
+                                      </p:cBhvr>
+                                    </p:animEffect>
+                                  </p:childTnLst>
+                                </p:cTn>
+                              </p:par>
+                            </p:childTnLst>
+                          </p:cTn>
+                        </p:par>
+                      </p:childTnLst>
+                    </p:cTn>
+                  </p:par>
+                  <p:par>
+                    <p:cTn id="13" fill="hold">
+                      <p:stCondLst>
+                        <p:cond delay="indefinite"/>
+                      </p:stCondLst>
+                      <p:childTnLst>
+                        <p:par>
+                          <p:cTn id="14" fill="hold">
+                            <p:stCondLst>
+                              <p:cond delay="0"/>
+                            </p:stCondLst>
+                            <p:childTnLst>
+                              <p:par>
+                                <p:cTn id="15" presetID="10" presetClass="entr" presetSubtype="0" fill="hold" nodeType="clickEffect">
+                                  <p:stCondLst>
+                                    <p:cond delay="0"/>
+                                  </p:stCondLst>
+                                  <p:childTnLst>
+                                    <p:set>
+                                      <p:cBhvr>
+                                        <p:cTn id="16" dur="1" fill="hold">
+                                          <p:stCondLst>
+                                            <p:cond delay="0"/>
+                                          </p:stCondLst>
+                                        </p:cTn>
+                                        <p:tgtEl>
+                                          <p:spTgt spid="22"/>
+                                        </p:tgtEl>
+                                        <p:attrNameLst>
+                                          <p:attrName>style.visibility</p:attrName>
+                                        </p:attrNameLst>
+                                      </p:cBhvr>
+                                      <p:to>
+                                        <p:strVal val="visible"/>
+                                      </p:to>
+                                    </p:set>
+                                    <p:animEffect transition="in" filter="fade">
+                                      <p:cBhvr>
+                                        <p:cTn id="17" dur="500"/>
+                                        <p:tgtEl>
+                                          <p:spTgt spid="22"/>
+                                        </p:tgtEl>
+                                      </p:cBhvr>
+                                    </p:animEffect>
+                                  </p:childTnLst>
+                                </p:cTn>
+                              </p:par>
+                            </p:childTnLst>
+                          </p:cTn>
+                        </p:par>
+                      </p:childTnLst>
+                    </p:cTn>
+                  </p:par>
+                  <p:par>
+                    <p:cTn id="18" fill="hold">
+                      <p:stCondLst>
+                        <p:cond delay="indefinite"/>
+                      </p:stCondLst>
+                      <p:childTnLst>
+                        <p:par>
+                          <p:cTn id="19" fill="hold">
+                            <p:stCondLst>
+                              <p:cond delay="0"/>
+                            </p:stCondLst>
+                            <p:childTnLst>
+                              <p:par>
+                                <p:cTn id="20" presetID="10" presetClass="entr" presetSubtype="0" fill="hold" nodeType="clickEffect">
+                                  <p:stCondLst>
+                                    <p:cond delay="0"/>
+                                  </p:stCondLst>
+                                  <p:childTnLst>
+                                    <p:set>
+                                      <p:cBhvr>
+                                        <p:cTn id="21" dur="1" fill="hold">
+                                          <p:stCondLst>
+                                            <p:cond delay="0"/>
+                                          </p:stCondLst>
+                                        </p:cTn>
+                                        <p:tgtEl>
+                                          <p:spTgt spid="28"/>
+                                        </p:tgtEl>
+                                        <p:attrNameLst>
+                                          <p:attrName>style.visibility</p:attrName>
+                                        </p:attrNameLst>
+                                      </p:cBhvr>
+                                      <p:to>
+                                        <p:strVal val="visible"/>
+                                      </p:to>
+                                    </p:set>
+                                    <p:animEffect transition="in" filter="fade">
+                                      <p:cBhvr>
+                                        <p:cTn id="22" dur="500"/>
+                                        <p:tgtEl>
+                                          <p:spTgt spid="28"/>
+                                        </p:tgtEl>
+                                      </p:cBhvr>
+                                    </p:animEffect>
+                                  </p:childTnLst>
+                                </p:cTn>
+                              </p:par>
+                            </p:childTnLst>
+                          </p:cTn>
+                        </p:par>
+                      </p:childTnLst>
+                    </p:cTn>
+                  </p:par>
+                  <p:par>
+                    <p:cTn id="23" fill="hold">
+                      <p:stCondLst>
+                        <p:cond delay="indefinite"/>
+                      </p:stCondLst>
+                      <p:childTnLst>
+                        <p:par>
+                          <p:cTn id="24" fill="hold">
+                            <p:stCondLst>
+                              <p:cond delay="0"/>
+                            </p:stCondLst>
+                            <p:childTnLst>
+                              <p:par>
+                                <p:cTn id="25" presetID="10" presetClass="entr" presetSubtype="0" fill="hold" nodeType="clickEffect">
+                                  <p:stCondLst>
+                                    <p:cond delay="0"/>
+                                  </p:stCondLst>
+                                  <p:childTnLst>
+                                    <p:set>
+                                      <p:cBhvr>
+                                        <p:cTn id="26" dur="1" fill="hold">
+                                          <p:stCondLst>
+                                            <p:cond delay="0"/>
+                                          </p:stCondLst>
+                                        </p:cTn>
+                                        <p:tgtEl>
+                                          <p:spTgt spid="33"/>
+                                        </p:tgtEl>
+                                        <p:attrNameLst>
+                                          <p:attrName>style.visibility</p:attrName>
+                                        </p:attrNameLst>
+                                      </p:cBhvr>
+                                      <p:to>
+                                        <p:strVal val="visible"/>
+                                      </p:to>
+                                    </p:set>
+                                    <p:animEffect transition="in" filter="fade">
+                                      <p:cBhvr>
+                                        <p:cTn id="27" dur="500"/>
+                                        <p:tgtEl>
+                                          <p:spTgt spid="33"/>
+                                        </p:tgtEl>
+                                      </p:cBhvr>
+                                    </p:animEffect>
+                                  </p:childTnLst>
+                                </p:cTn>
+                              </p:par>
+                            </p:childTnLst>
+                          </p:cTn>
+                        </p:par>
+                      </p:childTnLst>
+                    </p:cTn>
+                  </p:par>
+                  <p:par>
+                    <p:cTn id="28" fill="hold">
+                      <p:stCondLst>
+                        <p:cond delay="indefinite"/>
+                      </p:stCondLst>
+                      <p:childTnLst>
+                        <p:par>
+                          <p:cTn id="29" fill="hold">
+                            <p:stCondLst>
+                              <p:cond delay="0"/>
+                            </p:stCondLst>
+                            <p:childTnLst>
+                              <p:par>
+                                <p:cTn id="30" presetID="10" presetClass="entr" presetSubtype="0" fill="hold" nodeType="clickEffect">
+                                  <p:stCondLst>
+                                    <p:cond delay="0"/>
+                                  </p:stCondLst>
+                                  <p:childTnLst>
+                                    <p:set>
+                                      <p:cBhvr>
+                                        <p:cTn id="31" dur="1" fill="hold">
+                                          <p:stCondLst>
+                                            <p:cond delay="0"/>
+                                          </p:stCondLst>
+                                        </p:cTn>
+                                        <p:tgtEl>
+                                          <p:spTgt spid="38"/>
+                                        </p:tgtEl>
+                                        <p:attrNameLst>
+                                          <p:attrName>style.visibility</p:attrName>
+                                        </p:attrNameLst>
+                                      </p:cBhvr>
+                                      <p:to>
+                                        <p:strVal val="visible"/>
+                                      </p:to>
+                                    </p:set>
+                                    <p:animEffect transition="in" filter="fade">
+                                      <p:cBhvr>
+                                        <p:cTn id="32" dur="500"/>
+                                        <p:tgtEl>
+                                          <p:spTgt spid="38"/>
+                                        </p:tgtEl>
+                                      </p:cBhvr>
+                                    </p:animEffect>
+                                  </p:childTnLst>
+                                </p:cTn>
+                              </p:par>
+                            </p:childTnLst>
+                          </p:cTn>
+                        </p:par>
+                      </p:childTnLst>
+                    </p:cTn>
+                  </p:par>
+                </p:childTnLst>
+              </p:cTn>
+              <p:prevCondLst>
+                <p:cond evt="onPrev" delay="0">
+                  <p:tgtEl>
+                    <p:sldTgt/>
+                  </p:tgtEl>
+                </p:cond>
+              </p:prevCondLst>
+              <p:nextCondLst>
+                <p:cond evt="onNext" delay="0">
+                  <p:tgtEl>
+                    <p:sldTgt/>
+                  </p:tgtEl>
+                </p:cond>
+              </p:nextCondLst>
+            </p:seq>
+          </p:childTnLst>
+        </p:cTn>
+      </p:par>
+    </p:tnLst>
+  </p:timing>
+</p:sld>
+</file>
+
+<file path=ppt/slides/slide5.xml><?xml version="1.0" encoding="utf-8"?>
+<p:sld xmlns:a="http://schemas.openxmlformats.org/drawingml/2006/main" xmlns:r="http://schemas.openxmlformats.org/officeDocument/2006/relationships" xmlns:p="http://schemas.openxmlformats.org/presentationml/2006/main">
+  <p:cSld>
+    <p:spTree>
+      <p:nvGrpSpPr>
+        <p:cNvPr id="1" name=""/>
+        <p:cNvGrpSpPr/>
+        <p:nvPr/>
+      </p:nvGrpSpPr>
+      <p:grpSpPr>
+        <a:xfrm>
+          <a:off x="0" y="0"/>
+          <a:ext cx="0" cy="0"/>
+          <a:chOff x="0" y="0"/>
+          <a:chExt cx="0" cy="0"/>
+        </a:xfrm>
+      </p:grpSpPr>
+      <p:pic>
+        <p:nvPicPr>
+          <p:cNvPr id="2" name="Picture 1"/>
+          <p:cNvPicPr>
+            <a:picLocks noChangeAspect="1"/>
+          </p:cNvPicPr>
+          <p:nvPr/>
+        </p:nvPicPr>
+        <p:blipFill>
+          <a:blip r:embed="rId2"/>
+          <a:stretch>
+            <a:fillRect/>
+          </a:stretch>
+        </p:blipFill>
+        <p:spPr>
+          <a:xfrm>
+            <a:off x="495970" y="455859"/>
+            <a:ext cx="2504807" cy="1744922"/>
+          </a:xfrm>
+          <a:prstGeom prst="rect">
+            <a:avLst/>
+          </a:prstGeom>
+        </p:spPr>
+      </p:pic>
+      <p:grpSp>
+        <p:nvGrpSpPr>
+          <p:cNvPr id="3" name="Group 2"/>
+          <p:cNvGrpSpPr/>
+          <p:nvPr/>
+        </p:nvGrpSpPr>
+        <p:grpSpPr>
+          <a:xfrm>
+            <a:off x="591151" y="455859"/>
+            <a:ext cx="7767238" cy="533549"/>
+            <a:chOff x="848729" y="2658356"/>
+            <a:chExt cx="7767238" cy="533549"/>
+          </a:xfrm>
+        </p:grpSpPr>
+        <p:grpSp>
+          <p:nvGrpSpPr>
+            <p:cNvPr id="4" name="Group 3"/>
+            <p:cNvGrpSpPr/>
+            <p:nvPr/>
+          </p:nvGrpSpPr>
+          <p:grpSpPr>
+            <a:xfrm>
+              <a:off x="848729" y="2658356"/>
+              <a:ext cx="4380094" cy="328433"/>
+              <a:chOff x="848729" y="2658356"/>
+              <a:chExt cx="4380094" cy="328433"/>
+            </a:xfrm>
+          </p:grpSpPr>
+          <p:sp>
+            <p:nvSpPr>
+              <p:cNvPr id="6" name="Rounded Rectangle 5"/>
+              <p:cNvSpPr/>
+              <p:nvPr/>
+            </p:nvSpPr>
+            <p:spPr>
+              <a:xfrm>
+                <a:off x="848729" y="2658356"/>
+                <a:ext cx="683795" cy="328433"/>
+              </a:xfrm>
+              <a:prstGeom prst="roundRect">
+                <a:avLst/>
+              </a:prstGeom>
+              <a:noFill/>
+              <a:ln w="57150" cmpd="sng">
+                <a:solidFill>
+                  <a:srgbClr val="FF0000"/>
+                </a:solidFill>
+              </a:ln>
+            </p:spPr>
+            <p:style>
+              <a:lnRef idx="2">
+                <a:schemeClr val="accent1">
+                  <a:shade val="50000"/>
+                </a:schemeClr>
+              </a:lnRef>
+              <a:fillRef idx="1">
+                <a:schemeClr val="accent1"/>
+              </a:fillRef>
+              <a:effectRef idx="0">
+                <a:schemeClr val="accent1"/>
+              </a:effectRef>
+              <a:fontRef idx="minor">
+                <a:schemeClr val="lt1"/>
+              </a:fontRef>
+            </p:style>
+            <p:txBody>
+              <a:bodyPr lIns="360000" tIns="360000" rIns="360000" rtlCol="0" anchor="ctr"/>
+              <a:lstStyle/>
+              <a:p>
+                <a:pPr algn="ctr"/>
+                <a:endParaRPr lang="ko-KR" altLang="en-US"/>
+              </a:p>
+            </p:txBody>
+          </p:sp>
+          <p:cxnSp>
+            <p:nvCxnSpPr>
+              <p:cNvPr id="7" name="Elbow Connector 6"/>
+              <p:cNvCxnSpPr>
+                <a:stCxn id="6" idx="3"/>
+              </p:cNvCxnSpPr>
+              <p:nvPr/>
+            </p:nvCxnSpPr>
+            <p:spPr>
+              <a:xfrm>
+                <a:off x="1532524" y="2822573"/>
+                <a:ext cx="3696299" cy="164216"/>
+              </a:xfrm>
+              <a:prstGeom prst="bentConnector3">
+                <a:avLst>
+                  <a:gd name="adj1" fmla="val 50000"/>
+                </a:avLst>
+              </a:prstGeom>
+              <a:ln w="41275">
+                <a:solidFill>
+                  <a:srgbClr val="FF0000"/>
+                </a:solidFill>
+                <a:tailEnd type="triangle"/>
+              </a:ln>
+            </p:spPr>
+            <p:style>
+              <a:lnRef idx="1">
+                <a:schemeClr val="accent1"/>
+              </a:lnRef>
+              <a:fillRef idx="0">
+                <a:schemeClr val="accent1"/>
+              </a:fillRef>
+              <a:effectRef idx="0">
+                <a:schemeClr val="accent1"/>
+              </a:effectRef>
+              <a:fontRef idx="minor">
+                <a:schemeClr val="tx1"/>
+              </a:fontRef>
+            </p:style>
+          </p:cxnSp>
+        </p:grpSp>
+        <p:sp>
+          <p:nvSpPr>
+            <p:cNvPr id="5" name="TextBox 4"/>
+            <p:cNvSpPr txBox="1"/>
+            <p:nvPr/>
+          </p:nvSpPr>
+          <p:spPr>
+            <a:xfrm>
+              <a:off x="5228823" y="2822573"/>
+              <a:ext cx="3387144" cy="369332"/>
+            </a:xfrm>
+            <a:prstGeom prst="rect">
+              <a:avLst/>
+            </a:prstGeom>
+            <a:noFill/>
+          </p:spPr>
+          <p:txBody>
+            <a:bodyPr wrap="square" rtlCol="0">
+              <a:spAutoFit/>
+            </a:bodyPr>
+            <a:lstStyle/>
+            <a:p>
+              <a:r>
+                <a:rPr lang="ko-KR" altLang="en-US" b="1" dirty="0" smtClean="0">
+                  <a:solidFill>
+                    <a:schemeClr val="bg1"/>
+                  </a:solidFill>
+                </a:rPr>
+                <a:t>난이도 하</a:t>
+              </a:r>
+              <a:r>
+                <a:rPr lang="en-US" altLang="ko-KR" b="1" dirty="0" smtClean="0">
+                  <a:solidFill>
+                    <a:schemeClr val="bg1"/>
+                  </a:solidFill>
+                </a:rPr>
+                <a:t>(10X10)</a:t>
+              </a:r>
+              <a:endParaRPr lang="ko-KR" altLang="en-US" b="1" dirty="0">
+                <a:solidFill>
+                  <a:schemeClr val="bg1"/>
+                </a:solidFill>
+              </a:endParaRPr>
+            </a:p>
+          </p:txBody>
+        </p:sp>
+      </p:grpSp>
+      <p:grpSp>
+        <p:nvGrpSpPr>
+          <p:cNvPr id="9" name="Group 8"/>
+          <p:cNvGrpSpPr/>
+          <p:nvPr/>
+        </p:nvGrpSpPr>
+        <p:grpSpPr>
+          <a:xfrm>
+            <a:off x="591151" y="1430878"/>
+            <a:ext cx="7767238" cy="533549"/>
+            <a:chOff x="848729" y="2658356"/>
+            <a:chExt cx="7767238" cy="533549"/>
+          </a:xfrm>
+        </p:grpSpPr>
+        <p:grpSp>
+          <p:nvGrpSpPr>
+            <p:cNvPr id="10" name="Group 9"/>
+            <p:cNvGrpSpPr/>
+            <p:nvPr/>
+          </p:nvGrpSpPr>
+          <p:grpSpPr>
+            <a:xfrm>
+              <a:off x="848729" y="2658356"/>
+              <a:ext cx="4380094" cy="328433"/>
+              <a:chOff x="848729" y="2658356"/>
+              <a:chExt cx="4380094" cy="328433"/>
+            </a:xfrm>
+          </p:grpSpPr>
+          <p:sp>
+            <p:nvSpPr>
+              <p:cNvPr id="12" name="Rounded Rectangle 11"/>
+              <p:cNvSpPr/>
+              <p:nvPr/>
+            </p:nvSpPr>
+            <p:spPr>
+              <a:xfrm>
+                <a:off x="848729" y="2658356"/>
+                <a:ext cx="1662652" cy="328433"/>
+              </a:xfrm>
+              <a:prstGeom prst="roundRect">
+                <a:avLst/>
+              </a:prstGeom>
+              <a:noFill/>
+              <a:ln w="57150" cmpd="sng">
+                <a:solidFill>
+                  <a:srgbClr val="FF0000"/>
+                </a:solidFill>
+              </a:ln>
+            </p:spPr>
+            <p:style>
+              <a:lnRef idx="2">
+                <a:schemeClr val="accent1">
+                  <a:shade val="50000"/>
+                </a:schemeClr>
+              </a:lnRef>
+              <a:fillRef idx="1">
+                <a:schemeClr val="accent1"/>
+              </a:fillRef>
+              <a:effectRef idx="0">
+                <a:schemeClr val="accent1"/>
+              </a:effectRef>
+              <a:fontRef idx="minor">
+                <a:schemeClr val="lt1"/>
+              </a:fontRef>
+            </p:style>
+            <p:txBody>
+              <a:bodyPr lIns="360000" tIns="360000" rIns="360000" rtlCol="0" anchor="ctr"/>
+              <a:lstStyle/>
+              <a:p>
+                <a:pPr algn="ctr"/>
+                <a:endParaRPr lang="ko-KR" altLang="en-US"/>
+              </a:p>
+            </p:txBody>
+          </p:sp>
+          <p:cxnSp>
+            <p:nvCxnSpPr>
+              <p:cNvPr id="13" name="Elbow Connector 12"/>
+              <p:cNvCxnSpPr/>
+              <p:nvPr/>
+            </p:nvCxnSpPr>
+            <p:spPr>
+              <a:xfrm>
+                <a:off x="2511381" y="2658356"/>
+                <a:ext cx="2717442" cy="328433"/>
+              </a:xfrm>
+              <a:prstGeom prst="bentConnector3">
+                <a:avLst>
+                  <a:gd name="adj1" fmla="val 50000"/>
+                </a:avLst>
+              </a:prstGeom>
+              <a:ln w="41275">
+                <a:solidFill>
+                  <a:srgbClr val="FF0000"/>
+                </a:solidFill>
+                <a:tailEnd type="triangle"/>
+              </a:ln>
+            </p:spPr>
+            <p:style>
+              <a:lnRef idx="1">
+                <a:schemeClr val="accent1"/>
+              </a:lnRef>
+              <a:fillRef idx="0">
+                <a:schemeClr val="accent1"/>
+              </a:fillRef>
+              <a:effectRef idx="0">
+                <a:schemeClr val="accent1"/>
+              </a:effectRef>
+              <a:fontRef idx="minor">
+                <a:schemeClr val="tx1"/>
+              </a:fontRef>
+            </p:style>
+          </p:cxnSp>
+        </p:grpSp>
+        <p:sp>
+          <p:nvSpPr>
+            <p:cNvPr id="11" name="TextBox 10"/>
+            <p:cNvSpPr txBox="1"/>
+            <p:nvPr/>
+          </p:nvSpPr>
+          <p:spPr>
+            <a:xfrm>
+              <a:off x="5228823" y="2822573"/>
+              <a:ext cx="3387144" cy="369332"/>
+            </a:xfrm>
+            <a:prstGeom prst="rect">
+              <a:avLst/>
+            </a:prstGeom>
+            <a:noFill/>
+          </p:spPr>
+          <p:txBody>
+            <a:bodyPr wrap="square" rtlCol="0">
+              <a:spAutoFit/>
+            </a:bodyPr>
+            <a:lstStyle/>
+            <a:p>
+              <a:r>
+                <a:rPr lang="ko-KR" altLang="en-US" b="1" dirty="0" smtClean="0">
+                  <a:solidFill>
+                    <a:schemeClr val="bg1"/>
+                  </a:solidFill>
+                </a:rPr>
+                <a:t>난이도 중</a:t>
+              </a:r>
+              <a:r>
+                <a:rPr lang="en-US" altLang="ko-KR" b="1" dirty="0" smtClean="0">
+                  <a:solidFill>
+                    <a:schemeClr val="bg1"/>
+                  </a:solidFill>
+                </a:rPr>
+                <a:t>(20X20)</a:t>
+              </a:r>
+              <a:endParaRPr lang="ko-KR" altLang="en-US" b="1" dirty="0">
+                <a:solidFill>
+                  <a:schemeClr val="bg1"/>
+                </a:solidFill>
+              </a:endParaRPr>
+            </a:p>
+          </p:txBody>
+        </p:sp>
+      </p:grpSp>
+      <p:grpSp>
+        <p:nvGrpSpPr>
+          <p:cNvPr id="15" name="Group 14"/>
+          <p:cNvGrpSpPr/>
+          <p:nvPr/>
+        </p:nvGrpSpPr>
+        <p:grpSpPr>
+          <a:xfrm>
+            <a:off x="591151" y="979437"/>
+            <a:ext cx="7767238" cy="533549"/>
+            <a:chOff x="848729" y="2658356"/>
+            <a:chExt cx="7767238" cy="533549"/>
+          </a:xfrm>
+        </p:grpSpPr>
+        <p:grpSp>
+          <p:nvGrpSpPr>
+            <p:cNvPr id="16" name="Group 15"/>
+            <p:cNvGrpSpPr/>
+            <p:nvPr/>
+          </p:nvGrpSpPr>
+          <p:grpSpPr>
+            <a:xfrm>
+              <a:off x="848729" y="2658356"/>
+              <a:ext cx="4380094" cy="328433"/>
+              <a:chOff x="848729" y="2658356"/>
+              <a:chExt cx="4380094" cy="328433"/>
+            </a:xfrm>
+          </p:grpSpPr>
+          <p:sp>
+            <p:nvSpPr>
+              <p:cNvPr id="18" name="Rounded Rectangle 17"/>
+              <p:cNvSpPr/>
+              <p:nvPr/>
+            </p:nvSpPr>
+            <p:spPr>
+              <a:xfrm>
+                <a:off x="848729" y="2658356"/>
+                <a:ext cx="2113412" cy="328433"/>
+              </a:xfrm>
+              <a:prstGeom prst="roundRect">
+                <a:avLst/>
+              </a:prstGeom>
+              <a:noFill/>
+              <a:ln w="57150" cmpd="sng">
+                <a:solidFill>
+                  <a:srgbClr val="FF0000"/>
+                </a:solidFill>
+              </a:ln>
+            </p:spPr>
+            <p:style>
+              <a:lnRef idx="2">
+                <a:schemeClr val="accent1">
+                  <a:shade val="50000"/>
+                </a:schemeClr>
+              </a:lnRef>
+              <a:fillRef idx="1">
+                <a:schemeClr val="accent1"/>
+              </a:fillRef>
+              <a:effectRef idx="0">
+                <a:schemeClr val="accent1"/>
+              </a:effectRef>
+              <a:fontRef idx="minor">
+                <a:schemeClr val="lt1"/>
+              </a:fontRef>
+            </p:style>
+            <p:txBody>
+              <a:bodyPr lIns="360000" tIns="360000" rIns="360000" rtlCol="0" anchor="ctr"/>
+              <a:lstStyle/>
+              <a:p>
+                <a:pPr algn="ctr"/>
+                <a:endParaRPr lang="ko-KR" altLang="en-US"/>
+              </a:p>
+            </p:txBody>
+          </p:sp>
+          <p:cxnSp>
+            <p:nvCxnSpPr>
+              <p:cNvPr id="19" name="Elbow Connector 18"/>
+              <p:cNvCxnSpPr/>
+              <p:nvPr/>
+            </p:nvCxnSpPr>
+            <p:spPr>
+              <a:xfrm>
+                <a:off x="2962141" y="2668327"/>
+                <a:ext cx="2266682" cy="318462"/>
+              </a:xfrm>
+              <a:prstGeom prst="bentConnector3">
+                <a:avLst>
+                  <a:gd name="adj1" fmla="val 50000"/>
+                </a:avLst>
+              </a:prstGeom>
+              <a:ln w="41275">
+                <a:solidFill>
+                  <a:srgbClr val="FF0000"/>
+                </a:solidFill>
+                <a:tailEnd type="triangle"/>
+              </a:ln>
+            </p:spPr>
+            <p:style>
+              <a:lnRef idx="1">
+                <a:schemeClr val="accent1"/>
+              </a:lnRef>
+              <a:fillRef idx="0">
+                <a:schemeClr val="accent1"/>
+              </a:fillRef>
+              <a:effectRef idx="0">
+                <a:schemeClr val="accent1"/>
+              </a:effectRef>
+              <a:fontRef idx="minor">
+                <a:schemeClr val="tx1"/>
+              </a:fontRef>
+            </p:style>
+          </p:cxnSp>
+        </p:grpSp>
+        <p:sp>
+          <p:nvSpPr>
+            <p:cNvPr id="17" name="TextBox 16"/>
+            <p:cNvSpPr txBox="1"/>
+            <p:nvPr/>
+          </p:nvSpPr>
+          <p:spPr>
+            <a:xfrm>
+              <a:off x="5228823" y="2822573"/>
+              <a:ext cx="3387144" cy="369332"/>
+            </a:xfrm>
+            <a:prstGeom prst="rect">
+              <a:avLst/>
+            </a:prstGeom>
+            <a:noFill/>
+          </p:spPr>
+          <p:txBody>
+            <a:bodyPr wrap="square" rtlCol="0">
+              <a:spAutoFit/>
+            </a:bodyPr>
+            <a:lstStyle/>
+            <a:p>
+              <a:r>
+                <a:rPr lang="ko-KR" altLang="en-US" b="1" dirty="0" smtClean="0">
+                  <a:solidFill>
+                    <a:schemeClr val="bg1"/>
+                  </a:solidFill>
+                </a:rPr>
+                <a:t>난이도 상</a:t>
+              </a:r>
+              <a:r>
+                <a:rPr lang="en-US" altLang="ko-KR" b="1" dirty="0" smtClean="0">
+                  <a:solidFill>
+                    <a:schemeClr val="bg1"/>
+                  </a:solidFill>
+                </a:rPr>
+                <a:t>(30X30)</a:t>
+              </a:r>
+              <a:endParaRPr lang="ko-KR" altLang="en-US" b="1" dirty="0">
+                <a:solidFill>
+                  <a:schemeClr val="bg1"/>
+                </a:solidFill>
+              </a:endParaRPr>
+            </a:p>
+          </p:txBody>
+        </p:sp>
+      </p:grpSp>
+      <p:pic>
+        <p:nvPicPr>
+          <p:cNvPr id="21" name="Picture 20"/>
+          <p:cNvPicPr>
+            <a:picLocks noChangeAspect="1"/>
+          </p:cNvPicPr>
+          <p:nvPr/>
+        </p:nvPicPr>
+        <p:blipFill>
+          <a:blip r:embed="rId3"/>
+          <a:stretch>
+            <a:fillRect/>
+          </a:stretch>
+        </p:blipFill>
+        <p:spPr>
+          <a:xfrm>
+            <a:off x="495970" y="2953890"/>
+            <a:ext cx="4295775" cy="1800225"/>
+          </a:xfrm>
+          <a:prstGeom prst="rect">
+            <a:avLst/>
+          </a:prstGeom>
+        </p:spPr>
+      </p:pic>
+      <p:pic>
+        <p:nvPicPr>
+          <p:cNvPr id="22" name="Picture 21"/>
+          <p:cNvPicPr>
+            <a:picLocks noChangeAspect="1"/>
+          </p:cNvPicPr>
+          <p:nvPr/>
+        </p:nvPicPr>
+        <p:blipFill>
+          <a:blip r:embed="rId4"/>
+          <a:stretch>
+            <a:fillRect/>
+          </a:stretch>
+        </p:blipFill>
+        <p:spPr>
+          <a:xfrm>
+            <a:off x="6062864" y="2953890"/>
+            <a:ext cx="4591050" cy="1771650"/>
+          </a:xfrm>
+          <a:prstGeom prst="rect">
+            <a:avLst/>
+          </a:prstGeom>
+        </p:spPr>
+      </p:pic>
+      <p:sp>
+        <p:nvSpPr>
+          <p:cNvPr id="23" name="TextBox 22"/>
+          <p:cNvSpPr txBox="1"/>
+          <p:nvPr/>
+        </p:nvSpPr>
+        <p:spPr>
+          <a:xfrm>
+            <a:off x="434089" y="4938781"/>
+            <a:ext cx="2628567" cy="369332"/>
+          </a:xfrm>
+          <a:prstGeom prst="rect">
+            <a:avLst/>
+          </a:prstGeom>
+          <a:noFill/>
+        </p:spPr>
+        <p:txBody>
+          <a:bodyPr wrap="square" rtlCol="0">
+            <a:spAutoFit/>
+          </a:bodyPr>
+          <a:lstStyle/>
+          <a:p>
+            <a:r>
+              <a:rPr lang="ko-KR" altLang="en-US" b="1" dirty="0" smtClean="0">
+                <a:solidFill>
+                  <a:schemeClr val="bg1"/>
+                </a:solidFill>
+              </a:rPr>
+              <a:t>지뢰 꽂기</a:t>
+            </a:r>
+            <a:endParaRPr lang="ko-KR" altLang="en-US" b="1" dirty="0">
+              <a:solidFill>
+                <a:schemeClr val="bg1"/>
+              </a:solidFill>
+            </a:endParaRPr>
+          </a:p>
+        </p:txBody>
+      </p:sp>
+      <p:sp>
+        <p:nvSpPr>
+          <p:cNvPr id="24" name="TextBox 23"/>
+          <p:cNvSpPr txBox="1"/>
+          <p:nvPr/>
+        </p:nvSpPr>
+        <p:spPr>
+          <a:xfrm>
+            <a:off x="6062864" y="4861172"/>
+            <a:ext cx="2628567" cy="369332"/>
+          </a:xfrm>
+          <a:prstGeom prst="rect">
+            <a:avLst/>
+          </a:prstGeom>
+          <a:noFill/>
+        </p:spPr>
+        <p:txBody>
+          <a:bodyPr wrap="square" rtlCol="0">
+            <a:spAutoFit/>
+          </a:bodyPr>
+          <a:lstStyle/>
+          <a:p>
+            <a:r>
+              <a:rPr lang="ko-KR" altLang="en-US" b="1" dirty="0" smtClean="0">
+                <a:solidFill>
+                  <a:schemeClr val="bg1"/>
+                </a:solidFill>
+              </a:rPr>
+              <a:t>지뢰 삭제</a:t>
+            </a:r>
+            <a:endParaRPr lang="ko-KR" altLang="en-US" b="1" dirty="0">
+              <a:solidFill>
+                <a:schemeClr val="bg1"/>
+              </a:solidFill>
+            </a:endParaRPr>
+          </a:p>
+        </p:txBody>
+      </p:sp>
+    </p:spTree>
+    <p:extLst>
+      <p:ext uri="{BB962C8B-B14F-4D97-AF65-F5344CB8AC3E}">
+        <p14:creationId xmlns:p14="http://schemas.microsoft.com/office/powerpoint/2010/main" val="265699751"/>
+      </p:ext>
+    </p:extLst>
+  </p:cSld>
+  <p:clrMapOvr>
+    <a:masterClrMapping/>
+  </p:clrMapOvr>
+  <mc:AlternateContent xmlns:mc="http://schemas.openxmlformats.org/markup-compatibility/2006" xmlns:p14="http://schemas.microsoft.com/office/powerpoint/2010/main">
+    <mc:Choice Requires="p14">
+      <p:transition spd="slow" p14:dur="2000">
+        <p:push dir="u"/>
+      </p:transition>
+    </mc:Choice>
+    <mc:Fallback xmlns="">
+      <p:transition spd="slow">
+        <p:push dir="u"/>
+      </p:transition>
+    </mc:Fallback>
+  </mc:AlternateContent>
+  <p:timing>
+    <p:tnLst>
+      <p:par>
+        <p:cTn id="1" dur="indefinite" restart="never" nodeType="tmRoot">
+          <p:childTnLst>
+            <p:seq concurrent="1" nextAc="seek">
+              <p:cTn id="2" dur="indefinite" nodeType="mainSeq">
+                <p:childTnLst>
+                  <p:par>
+                    <p:cTn id="3" fill="hold">
+                      <p:stCondLst>
+                        <p:cond delay="indefinite"/>
+                      </p:stCondLst>
+                      <p:childTnLst>
+                        <p:par>
+                          <p:cTn id="4" fill="hold">
+                            <p:stCondLst>
+                              <p:cond delay="0"/>
+                            </p:stCondLst>
+                            <p:childTnLst>
+                              <p:par>
+                                <p:cTn id="5" presetID="10" presetClass="entr" presetSubtype="0" fill="hold" nodeType="clickEffect">
+                                  <p:stCondLst>
+                                    <p:cond delay="0"/>
+                                  </p:stCondLst>
+                                  <p:childTnLst>
+                                    <p:set>
+                                      <p:cBhvr>
+                                        <p:cTn id="6" dur="1" fill="hold">
+                                          <p:stCondLst>
+                                            <p:cond delay="0"/>
+                                          </p:stCondLst>
+                                        </p:cTn>
+                                        <p:tgtEl>
+                                          <p:spTgt spid="3"/>
+                                        </p:tgtEl>
+                                        <p:attrNameLst>
+                                          <p:attrName>style.visibility</p:attrName>
+                                        </p:attrNameLst>
+                                      </p:cBhvr>
+                                      <p:to>
+                                        <p:strVal val="visible"/>
+                                      </p:to>
+                                    </p:set>
+                                    <p:animEffect transition="in" filter="fade">
+                                      <p:cBhvr>
+                                        <p:cTn id="7" dur="500"/>
+                                        <p:tgtEl>
+                                          <p:spTgt spid="3"/>
+                                        </p:tgtEl>
+                                      </p:cBhvr>
+                                    </p:animEffect>
+                                  </p:childTnLst>
+                                </p:cTn>
+                              </p:par>
+                            </p:childTnLst>
+                          </p:cTn>
+                        </p:par>
+                      </p:childTnLst>
+                    </p:cTn>
+                  </p:par>
+                  <p:par>
+                    <p:cTn id="8" fill="hold">
+                      <p:stCondLst>
+                        <p:cond delay="indefinite"/>
+                      </p:stCondLst>
+                      <p:childTnLst>
+                        <p:par>
+                          <p:cTn id="9" fill="hold">
+                            <p:stCondLst>
+                              <p:cond delay="0"/>
+                            </p:stCondLst>
+                            <p:childTnLst>
+                              <p:par>
+                                <p:cTn id="10" presetID="10" presetClass="entr" presetSubtype="0" fill="hold" nodeType="clickEffect">
+                                  <p:stCondLst>
+                                    <p:cond delay="0"/>
+                                  </p:stCondLst>
+                                  <p:childTnLst>
+                                    <p:set>
+                                      <p:cBhvr>
+                                        <p:cTn id="11" dur="1" fill="hold">
+                                          <p:stCondLst>
+                                            <p:cond delay="0"/>
+                                          </p:stCondLst>
+                                        </p:cTn>
+                                        <p:tgtEl>
+                                          <p:spTgt spid="9"/>
+                                        </p:tgtEl>
+                                        <p:attrNameLst>
+                                          <p:attrName>style.visibility</p:attrName>
+                                        </p:attrNameLst>
+                                      </p:cBhvr>
+                                      <p:to>
+                                        <p:strVal val="visible"/>
+                                      </p:to>
+                                    </p:set>
+                                    <p:animEffect transition="in" filter="fade">
+                                      <p:cBhvr>
+                                        <p:cTn id="12" dur="500"/>
+                                        <p:tgtEl>
+                                          <p:spTgt spid="9"/>
+                                        </p:tgtEl>
+                                      </p:cBhvr>
+                                    </p:animEffect>
+                                  </p:childTnLst>
+                                </p:cTn>
+                              </p:par>
+                            </p:childTnLst>
+                          </p:cTn>
+                        </p:par>
+                      </p:childTnLst>
+                    </p:cTn>
+                  </p:par>
+                  <p:par>
+                    <p:cTn id="13" fill="hold">
+                      <p:stCondLst>
+                        <p:cond delay="indefinite"/>
+                      </p:stCondLst>
+                      <p:childTnLst>
+                        <p:par>
+                          <p:cTn id="14" fill="hold">
+                            <p:stCondLst>
+                              <p:cond delay="0"/>
+                            </p:stCondLst>
+                            <p:childTnLst>
+                              <p:par>
+                                <p:cTn id="15" presetID="10" presetClass="entr" presetSubtype="0" fill="hold" nodeType="clickEffect">
+                                  <p:stCondLst>
+                                    <p:cond delay="0"/>
+                                  </p:stCondLst>
+                                  <p:childTnLst>
+                                    <p:set>
+                                      <p:cBhvr>
+                                        <p:cTn id="16" dur="1" fill="hold">
+                                          <p:stCondLst>
+                                            <p:cond delay="0"/>
+                                          </p:stCondLst>
+                                        </p:cTn>
+                                        <p:tgtEl>
+                                          <p:spTgt spid="15"/>
+                                        </p:tgtEl>
+                                        <p:attrNameLst>
+                                          <p:attrName>style.visibility</p:attrName>
+                                        </p:attrNameLst>
+                                      </p:cBhvr>
+                                      <p:to>
+                                        <p:strVal val="visible"/>
+                                      </p:to>
+                                    </p:set>
+                                    <p:animEffect transition="in" filter="fade">
+                                      <p:cBhvr>
+                                        <p:cTn id="17" dur="500"/>
+                                        <p:tgtEl>
+                                          <p:spTgt spid="15"/>
+                                        </p:tgtEl>
+                                      </p:cBhvr>
+                                    </p:animEffect>
+                                  </p:childTnLst>
+                                </p:cTn>
+                              </p:par>
+                            </p:childTnLst>
+                          </p:cTn>
+                        </p:par>
+                      </p:childTnLst>
+                    </p:cTn>
+                  </p:par>
+                  <p:par>
+                    <p:cTn id="18" fill="hold">
+                      <p:stCondLst>
+                        <p:cond delay="indefinite"/>
+                      </p:stCondLst>
+                      <p:childTnLst>
+                        <p:par>
+                          <p:cTn id="19" fill="hold">
+                            <p:stCondLst>
+                              <p:cond delay="0"/>
+                            </p:stCondLst>
+                            <p:childTnLst>
+                              <p:par>
+                                <p:cTn id="20" presetID="10" presetClass="entr" presetSubtype="0" fill="hold" grpId="0" nodeType="clickEffect">
+                                  <p:stCondLst>
+                                    <p:cond delay="0"/>
+                                  </p:stCondLst>
+                                  <p:childTnLst>
+                                    <p:set>
+                                      <p:cBhvr>
+                                        <p:cTn id="21" dur="1" fill="hold">
+                                          <p:stCondLst>
+                                            <p:cond delay="0"/>
+                                          </p:stCondLst>
+                                        </p:cTn>
+                                        <p:tgtEl>
+                                          <p:spTgt spid="23"/>
+                                        </p:tgtEl>
+                                        <p:attrNameLst>
+                                          <p:attrName>style.visibility</p:attrName>
+                                        </p:attrNameLst>
+                                      </p:cBhvr>
+                                      <p:to>
+                                        <p:strVal val="visible"/>
+                                      </p:to>
+                                    </p:set>
+                                    <p:animEffect transition="in" filter="fade">
+                                      <p:cBhvr>
+                                        <p:cTn id="22" dur="500"/>
+                                        <p:tgtEl>
+                                          <p:spTgt spid="23"/>
+                                        </p:tgtEl>
+                                      </p:cBhvr>
+                                    </p:animEffect>
+                                  </p:childTnLst>
+                                </p:cTn>
+                              </p:par>
+                            </p:childTnLst>
+                          </p:cTn>
+                        </p:par>
+                      </p:childTnLst>
+                    </p:cTn>
+                  </p:par>
+                  <p:par>
+                    <p:cTn id="23" fill="hold">
+                      <p:stCondLst>
+                        <p:cond delay="indefinite"/>
+                      </p:stCondLst>
+                      <p:childTnLst>
+                        <p:par>
+                          <p:cTn id="24" fill="hold">
+                            <p:stCondLst>
+                              <p:cond delay="0"/>
+                            </p:stCondLst>
+                            <p:childTnLst>
+                              <p:par>
+                                <p:cTn id="25" presetID="10" presetClass="entr" presetSubtype="0" fill="hold" grpId="0" nodeType="clickEffect">
+                                  <p:stCondLst>
+                                    <p:cond delay="0"/>
+                                  </p:stCondLst>
+                                  <p:childTnLst>
+                                    <p:set>
+                                      <p:cBhvr>
+                                        <p:cTn id="26" dur="1" fill="hold">
+                                          <p:stCondLst>
+                                            <p:cond delay="0"/>
+                                          </p:stCondLst>
+                                        </p:cTn>
+                                        <p:tgtEl>
+                                          <p:spTgt spid="24"/>
+                                        </p:tgtEl>
+                                        <p:attrNameLst>
+                                          <p:attrName>style.visibility</p:attrName>
+                                        </p:attrNameLst>
+                                      </p:cBhvr>
+                                      <p:to>
+                                        <p:strVal val="visible"/>
+                                      </p:to>
+                                    </p:set>
+                                    <p:animEffect transition="in" filter="fade">
+                                      <p:cBhvr>
+                                        <p:cTn id="27" dur="500"/>
+                                        <p:tgtEl>
+                                          <p:spTgt spid="24"/>
+                                        </p:tgtEl>
+                                      </p:cBhvr>
+                                    </p:animEffect>
+                                  </p:childTnLst>
+                                </p:cTn>
+                              </p:par>
+                            </p:childTnLst>
+                          </p:cTn>
+                        </p:par>
+                      </p:childTnLst>
+                    </p:cTn>
+                  </p:par>
+                </p:childTnLst>
+              </p:cTn>
+              <p:prevCondLst>
+                <p:cond evt="onPrev" delay="0">
+                  <p:tgtEl>
+                    <p:sldTgt/>
+                  </p:tgtEl>
+                </p:cond>
+              </p:prevCondLst>
+              <p:nextCondLst>
+                <p:cond evt="onNext" delay="0">
+                  <p:tgtEl>
+                    <p:sldTgt/>
+                  </p:tgtEl>
+                </p:cond>
+              </p:nextCondLst>
+            </p:seq>
+          </p:childTnLst>
+        </p:cTn>
+      </p:par>
+    </p:tnLst>
+    <p:bldLst>
+      <p:bldP spid="23" grpId="0"/>
+      <p:bldP spid="24" grpId="0"/>
+    </p:bldLst>
+  </p:timing>
+</p:sld>
+</file>
+
+<file path=ppt/slides/slide6.xml><?xml version="1.0" encoding="utf-8"?>
+<p:sld xmlns:a="http://schemas.openxmlformats.org/drawingml/2006/main" xmlns:r="http://schemas.openxmlformats.org/officeDocument/2006/relationships" xmlns:p="http://schemas.openxmlformats.org/presentationml/2006/main">
+  <p:cSld>
+    <p:spTree>
+      <p:nvGrpSpPr>
+        <p:cNvPr id="1" name=""/>
+        <p:cNvGrpSpPr/>
+        <p:nvPr/>
+      </p:nvGrpSpPr>
+      <p:grpSpPr>
+        <a:xfrm>
+          <a:off x="0" y="0"/>
+          <a:ext cx="0" cy="0"/>
+          <a:chOff x="0" y="0"/>
+          <a:chExt cx="0" cy="0"/>
+        </a:xfrm>
+      </p:grpSpPr>
+      <p:pic>
+        <p:nvPicPr>
+          <p:cNvPr id="2" name="Picture 1"/>
+          <p:cNvPicPr>
+            <a:picLocks noChangeAspect="1"/>
+          </p:cNvPicPr>
+          <p:nvPr/>
+        </p:nvPicPr>
+        <p:blipFill>
+          <a:blip r:embed="rId2"/>
+          <a:stretch>
+            <a:fillRect/>
+          </a:stretch>
+        </p:blipFill>
+        <p:spPr>
+          <a:xfrm>
+            <a:off x="686874" y="627912"/>
+            <a:ext cx="3657600" cy="5267325"/>
+          </a:xfrm>
+          <a:prstGeom prst="rect">
+            <a:avLst/>
+          </a:prstGeom>
+        </p:spPr>
+      </p:pic>
+      <p:pic>
+        <p:nvPicPr>
+          <p:cNvPr id="4" name="Picture 3"/>
+          <p:cNvPicPr>
+            <a:picLocks noChangeAspect="1"/>
+          </p:cNvPicPr>
+          <p:nvPr/>
+        </p:nvPicPr>
+        <p:blipFill>
+          <a:blip r:embed="rId3"/>
+          <a:stretch>
+            <a:fillRect/>
+          </a:stretch>
+        </p:blipFill>
+        <p:spPr>
+          <a:xfrm>
+            <a:off x="5196759" y="627912"/>
+            <a:ext cx="6252725" cy="4884246"/>
+          </a:xfrm>
+          <a:prstGeom prst="rect">
+            <a:avLst/>
+          </a:prstGeom>
+        </p:spPr>
+      </p:pic>
+    </p:spTree>
+    <p:extLst>
+      <p:ext uri="{BB962C8B-B14F-4D97-AF65-F5344CB8AC3E}">
+        <p14:creationId xmlns:p14="http://schemas.microsoft.com/office/powerpoint/2010/main" val="3962686007"/>
+      </p:ext>
+    </p:extLst>
+  </p:cSld>
+  <p:clrMapOvr>
+    <a:masterClrMapping/>
+  </p:clrMapOvr>
+  <mc:AlternateContent xmlns:mc="http://schemas.openxmlformats.org/markup-compatibility/2006" xmlns:p14="http://schemas.microsoft.com/office/powerpoint/2010/main">
+    <mc:Choice Requires="p14">
+      <p:transition spd="slow" p14:dur="2000">
+        <p:push dir="u"/>
+      </p:transition>
+    </mc:Choice>
+    <mc:Fallback xmlns="">
+      <p:transition spd="slow">
+        <p:push dir="u"/>
+      </p:transition>
+    </mc:Fallback>
+  </mc:AlternateContent>
+  <p:timing>
+    <p:tnLst>
+      <p:par>
+        <p:cTn id="1" dur="indefinite" restart="never" nodeType="tmRoot">
+          <p:childTnLst>
+            <p:seq concurrent="1" nextAc="seek">
+              <p:cTn id="2" dur="indefinite" nodeType="mainSeq">
+                <p:childTnLst>
+                  <p:par>
+                    <p:cTn id="3" fill="hold">
+                      <p:stCondLst>
+                        <p:cond delay="indefinite"/>
+                      </p:stCondLst>
+                      <p:childTnLst>
+                        <p:par>
+                          <p:cTn id="4" fill="hold">
+                            <p:stCondLst>
+                              <p:cond delay="0"/>
+                            </p:stCondLst>
+                            <p:childTnLst>
+                              <p:par>
+                                <p:cTn id="5" presetID="10" presetClass="entr" presetSubtype="0" fill="hold" nodeType="clickEffect">
+                                  <p:stCondLst>
+                                    <p:cond delay="0"/>
+                                  </p:stCondLst>
+                                  <p:childTnLst>
+                                    <p:set>
+                                      <p:cBhvr>
+                                        <p:cTn id="6" dur="1" fill="hold">
+                                          <p:stCondLst>
+                                            <p:cond delay="0"/>
+                                          </p:stCondLst>
+                                        </p:cTn>
+                                        <p:tgtEl>
+                                          <p:spTgt spid="2"/>
+                                        </p:tgtEl>
+                                        <p:attrNameLst>
+                                          <p:attrName>style.visibility</p:attrName>
+                                        </p:attrNameLst>
+                                      </p:cBhvr>
+                                      <p:to>
+                                        <p:strVal val="visible"/>
+                                      </p:to>
+                                    </p:set>
+                                    <p:animEffect transition="in" filter="fade">
+                                      <p:cBhvr>
+                                        <p:cTn id="7" dur="500"/>
+                                        <p:tgtEl>
+                                          <p:spTgt spid="2"/>
+                                        </p:tgtEl>
+                                      </p:cBhvr>
+                                    </p:animEffect>
+                                  </p:childTnLst>
+                                </p:cTn>
+                              </p:par>
+                            </p:childTnLst>
+                          </p:cTn>
+                        </p:par>
+                      </p:childTnLst>
+                    </p:cTn>
+                  </p:par>
+                  <p:par>
+                    <p:cTn id="8" fill="hold">
+                      <p:stCondLst>
+                        <p:cond delay="indefinite"/>
+                      </p:stCondLst>
+                      <p:childTnLst>
+                        <p:par>
+                          <p:cTn id="9" fill="hold">
+                            <p:stCondLst>
+                              <p:cond delay="0"/>
+                            </p:stCondLst>
+                            <p:childTnLst>
+                              <p:par>
+                                <p:cTn id="10" presetID="10" presetClass="entr" presetSubtype="0" fill="hold" nodeType="clickEffect">
+                                  <p:stCondLst>
+                                    <p:cond delay="0"/>
+                                  </p:stCondLst>
+                                  <p:childTnLst>
+                                    <p:set>
+                                      <p:cBhvr>
+                                        <p:cTn id="11" dur="1" fill="hold">
+                                          <p:stCondLst>
+                                            <p:cond delay="0"/>
+                                          </p:stCondLst>
+                                        </p:cTn>
+                                        <p:tgtEl>
+                                          <p:spTgt spid="4"/>
+                                        </p:tgtEl>
+                                        <p:attrNameLst>
+                                          <p:attrName>style.visibility</p:attrName>
+                                        </p:attrNameLst>
+                                      </p:cBhvr>
+                                      <p:to>
+                                        <p:strVal val="visible"/>
+                                      </p:to>
+                                    </p:set>
+                                    <p:animEffect transition="in" filter="fade">
+                                      <p:cBhvr>
+                                        <p:cTn id="12" dur="500"/>
+                                        <p:tgtEl>
+                                          <p:spTgt spid="4"/>
+                                        </p:tgtEl>
+                                      </p:cBhvr>
+                                    </p:animEffect>
+                                  </p:childTnLst>
+                                </p:cTn>
+                              </p:par>
+                            </p:childTnLst>
+                          </p:cTn>
+                        </p:par>
+                      </p:childTnLst>
+                    </p:cTn>
+                  </p:par>
+                </p:childTnLst>
+              </p:cTn>
+              <p:prevCondLst>
+                <p:cond evt="onPrev" delay="0">
+                  <p:tgtEl>
+                    <p:sldTgt/>
+                  </p:tgtEl>
+                </p:cond>
+              </p:prevCondLst>
+              <p:nextCondLst>
+                <p:cond evt="onNext" delay="0">
+                  <p:tgtEl>
+                    <p:sldTgt/>
+                  </p:tgtEl>
+                </p:cond>
+              </p:nextCondLst>
+            </p:seq>
+          </p:childTnLst>
+        </p:cTn>
+      </p:par>
+    </p:tnLst>
+  </p:timing>
+</p:sld>
+</file>
+
+<file path=ppt/slides/slide7.xml><?xml version="1.0" encoding="utf-8"?>
+<p:sld xmlns:a="http://schemas.openxmlformats.org/drawingml/2006/main" xmlns:r="http://schemas.openxmlformats.org/officeDocument/2006/relationships" xmlns:p="http://schemas.openxmlformats.org/presentationml/2006/main">
+  <p:cSld>
+    <p:spTree>
+      <p:nvGrpSpPr>
+        <p:cNvPr id="1" name=""/>
+        <p:cNvGrpSpPr/>
+        <p:nvPr/>
+      </p:nvGrpSpPr>
+      <p:grpSpPr>
+        <a:xfrm>
+          <a:off x="0" y="0"/>
+          <a:ext cx="0" cy="0"/>
+          <a:chOff x="0" y="0"/>
+          <a:chExt cx="0" cy="0"/>
+        </a:xfrm>
+      </p:grpSpPr>
+      <p:pic>
+        <p:nvPicPr>
+          <p:cNvPr id="3" name="Picture 2"/>
+          <p:cNvPicPr>
+            <a:picLocks noChangeAspect="1"/>
+          </p:cNvPicPr>
+          <p:nvPr/>
+        </p:nvPicPr>
+        <p:blipFill>
+          <a:blip r:embed="rId2"/>
+          <a:stretch>
+            <a:fillRect/>
+          </a:stretch>
+        </p:blipFill>
+        <p:spPr>
+          <a:xfrm>
+            <a:off x="1082831" y="365102"/>
+            <a:ext cx="7991475" cy="5895975"/>
+          </a:xfrm>
+          <a:prstGeom prst="rect">
+            <a:avLst/>
+          </a:prstGeom>
+        </p:spPr>
+      </p:pic>
+    </p:spTree>
+    <p:extLst>
+      <p:ext uri="{BB962C8B-B14F-4D97-AF65-F5344CB8AC3E}">
+        <p14:creationId xmlns:p14="http://schemas.microsoft.com/office/powerpoint/2010/main" val="940530860"/>
+      </p:ext>
+    </p:extLst>
+  </p:cSld>
+  <p:clrMapOvr>
+    <a:masterClrMapping/>
+  </p:clrMapOvr>
+  <mc:AlternateContent xmlns:mc="http://schemas.openxmlformats.org/markup-compatibility/2006" xmlns:p14="http://schemas.microsoft.com/office/powerpoint/2010/main">
+    <mc:Choice Requires="p14">
+      <p:transition spd="slow" p14:dur="2000">
+        <p:push dir="u"/>
+      </p:transition>
+    </mc:Choice>
+    <mc:Fallback xmlns="">
+      <p:transition spd="slow">
+        <p:push dir="u"/>
+      </p:transition>
+    </mc:Fallback>
+  </mc:AlternateContent>
+  <p:timing>
+    <p:tnLst>
+      <p:par>
+        <p:cTn id="1" dur="indefinite" restart="never" nodeType="tmRoot">
+          <p:childTnLst>
+            <p:seq concurrent="1" nextAc="seek">
+              <p:cTn id="2" dur="indefinite" nodeType="mainSeq">
+                <p:childTnLst>
+                  <p:par>
+                    <p:cTn id="3" fill="hold">
+                      <p:stCondLst>
+                        <p:cond delay="indefinite"/>
+                      </p:stCondLst>
+                      <p:childTnLst>
+                        <p:par>
+                          <p:cTn id="4" fill="hold">
+                            <p:stCondLst>
+                              <p:cond delay="0"/>
+                            </p:stCondLst>
+                            <p:childTnLst>
+                              <p:par>
+                                <p:cTn id="5" presetID="10" presetClass="entr" presetSubtype="0" fill="hold" nodeType="clickEffect">
+                                  <p:stCondLst>
+                                    <p:cond delay="0"/>
+                                  </p:stCondLst>
+                                  <p:childTnLst>
+                                    <p:set>
+                                      <p:cBhvr>
+                                        <p:cTn id="6" dur="1" fill="hold">
+                                          <p:stCondLst>
+                                            <p:cond delay="0"/>
+                                          </p:stCondLst>
+                                        </p:cTn>
+                                        <p:tgtEl>
+                                          <p:spTgt spid="3"/>
+                                        </p:tgtEl>
+                                        <p:attrNameLst>
+                                          <p:attrName>style.visibility</p:attrName>
+                                        </p:attrNameLst>
+                                      </p:cBhvr>
+                                      <p:to>
+                                        <p:strVal val="visible"/>
+                                      </p:to>
+                                    </p:set>
+                                    <p:animEffect transition="in" filter="fade">
+                                      <p:cBhvr>
+                                        <p:cTn id="7" dur="500"/>
+                                        <p:tgtEl>
+                                          <p:spTgt spid="3"/>
+                                        </p:tgtEl>
+                                      </p:cBhvr>
+                                    </p:animEffect>
+                                  </p:childTnLst>
+                                </p:cTn>
+                              </p:par>
+                            </p:childTnLst>
+                          </p:cTn>
+                        </p:par>
+                      </p:childTnLst>
+                    </p:cTn>
+                  </p:par>
+                </p:childTnLst>
+              </p:cTn>
+              <p:prevCondLst>
+                <p:cond evt="onPrev" delay="0">
+                  <p:tgtEl>
+                    <p:sldTgt/>
+                  </p:tgtEl>
+                </p:cond>
+              </p:prevCondLst>
+              <p:nextCondLst>
+                <p:cond evt="onNext" delay="0">
+                  <p:tgtEl>
+                    <p:sldTgt/>
+                  </p:tgtEl>
+                </p:cond>
+              </p:nextCondLst>
+            </p:seq>
+          </p:childTnLst>
+        </p:cTn>
+      </p:par>
+    </p:tnLst>
+  </p:timing>
+</p:sld>
+</file>
+
+<file path=ppt/slides/slide8.xml><?xml version="1.0" encoding="utf-8"?>
+<p:sld xmlns:a="http://schemas.openxmlformats.org/drawingml/2006/main" xmlns:r="http://schemas.openxmlformats.org/officeDocument/2006/relationships" xmlns:p="http://schemas.openxmlformats.org/presentationml/2006/main">
+  <p:cSld>
+    <p:spTree>
+      <p:nvGrpSpPr>
+        <p:cNvPr id="1" name=""/>
+        <p:cNvGrpSpPr/>
+        <p:nvPr/>
+      </p:nvGrpSpPr>
+      <p:grpSpPr>
+        <a:xfrm>
+          <a:off x="0" y="0"/>
+          <a:ext cx="0" cy="0"/>
+          <a:chOff x="0" y="0"/>
+          <a:chExt cx="0" cy="0"/>
+        </a:xfrm>
+      </p:grpSpPr>
+    </p:spTree>
+    <p:extLst>
+      <p:ext uri="{BB962C8B-B14F-4D97-AF65-F5344CB8AC3E}">
+        <p14:creationId xmlns:p14="http://schemas.microsoft.com/office/powerpoint/2010/main" val="233548466"/>
+      </p:ext>
+    </p:extLst>
+  </p:cSld>
+  <p:clrMapOvr>
+    <a:masterClrMapping/>
+  </p:clrMapOvr>
+  <mc:AlternateContent xmlns:mc="http://schemas.openxmlformats.org/markup-compatibility/2006" xmlns:p14="http://schemas.microsoft.com/office/powerpoint/2010/main">
+    <mc:Choice Requires="p14">
+      <p:transition spd="slow" p14:dur="2000">
+        <p:push dir="u"/>
+      </p:transition>
+    </mc:Choice>
+    <mc:Fallback xmlns="">
+      <p:transition spd="slow">
+        <p:push dir="u"/>
+      </p:transition>
+    </mc:Fallback>
+  </mc:AlternateContent>
+  <p:timing>
+    <p:tnLst>
+      <p:par>
+        <p:cTn id="1" dur="indefinite" restart="never" nodeType="tmRoot"/>
+      </p:par>
+    </p:tnLst>
+  </p:timing>
+</p:sld>
+</file>
+
+<file path=ppt/slides/slide9.xml><?xml version="1.0" encoding="utf-8"?>
+<p:sld xmlns:a="http://schemas.openxmlformats.org/drawingml/2006/main" xmlns:r="http://schemas.openxmlformats.org/officeDocument/2006/relationships" xmlns:p="http://schemas.openxmlformats.org/presentationml/2006/main">
+  <p:cSld>
+    <p:spTree>
+      <p:nvGrpSpPr>
+        <p:cNvPr id="1" name=""/>
+        <p:cNvGrpSpPr/>
+        <p:nvPr/>
+      </p:nvGrpSpPr>
+      <p:grpSpPr>
+        <a:xfrm>
+          <a:off x="0" y="0"/>
+          <a:ext cx="0" cy="0"/>
+          <a:chOff x="0" y="0"/>
+          <a:chExt cx="0" cy="0"/>
+        </a:xfrm>
+      </p:grpSpPr>
+    </p:spTree>
+    <p:extLst>
+      <p:ext uri="{BB962C8B-B14F-4D97-AF65-F5344CB8AC3E}">
+        <p14:creationId xmlns:p14="http://schemas.microsoft.com/office/powerpoint/2010/main" val="805264921"/>
+      </p:ext>
+    </p:extLst>
+  </p:cSld>
+  <p:clrMapOvr>
+    <a:masterClrMapping/>
+  </p:clrMapOvr>
+  <mc:AlternateContent xmlns:mc="http://schemas.openxmlformats.org/markup-compatibility/2006" xmlns:p14="http://schemas.microsoft.com/office/powerpoint/2010/main">
+    <mc:Choice Requires="p14">
+      <p:transition spd="slow" p14:dur="2000">
+        <p:push dir="u"/>
+      </p:transition>
+    </mc:Choice>
+    <mc:Fallback xmlns="">
+      <p:transition spd="slow">
+        <p:push dir="u"/>
+      </p:transition>
+    </mc:Fallback>
+  </mc:AlternateContent>
+  <p:timing>
+    <p:tnLst>
+      <p:par>
+        <p:cTn id="1" dur="indefinite" restart="never" nodeType="tmRoot"/>
+      </p:par>
+    </p:tnLst>
   </p:timing>
 </p:sld>
 </file>
